--- a/slides/Lecture2_Variables.pptx
+++ b/slides/Lecture2_Variables.pptx
@@ -4,6 +4,9 @@
   <p:sldMasterIdLst>
     <p:sldMasterId id="2147483648" r:id="rId1"/>
   </p:sldMasterIdLst>
+  <p:notesMasterIdLst>
+    <p:notesMasterId r:id="rId15"/>
+  </p:notesMasterIdLst>
   <p:sldIdLst>
     <p:sldId id="256" r:id="rId2"/>
     <p:sldId id="257" r:id="rId3"/>
@@ -19,10 +22,7 @@
     <p:sldId id="267" r:id="rId13"/>
     <p:sldId id="268" r:id="rId14"/>
   </p:sldIdLst>
-  <p:notesMasterIdLst>
-    <p:notesMasterId r:id="rId15"/>
-  </p:notesMasterIdLst>
-  <p:sldSz cx="9144000" cy="5143500"/>
+  <p:sldSz cx="9144000" cy="5143500" type="screen16x9"/>
   <p:notesSz cx="5143500" cy="9144000"/>
   <p:defaultTextStyle>
     <a:lvl1pPr marL="0" algn="l" defTabSz="914400" rtl="0" eaLnBrk="1" latinLnBrk="0" hangingPunct="1">
@@ -116,6 +116,11 @@
       </a:defRPr>
     </a:lvl9pPr>
   </p:defaultTextStyle>
+  <p:extLst>
+    <p:ext uri="{EFAFB233-063F-42B5-8137-9DF3F51BA10A}">
+      <p15:sldGuideLst xmlns:p15="http://schemas.microsoft.com/office/powerpoint/2012/main"/>
+    </p:ext>
+  </p:extLst>
 </p:presentation>
 </file>
 
@@ -141,234 +146,10 @@
           <a:chExt cx="0" cy="0"/>
         </a:xfrm>
       </p:grpSpPr>
-      <p:sp>
-        <p:nvSpPr>
-          <p:cNvPr id="2" name="Header Placeholder 1"/>
-          <p:cNvSpPr>
-            <a:spLocks noGrp="1"/>
-          </p:cNvSpPr>
-          <p:nvPr>
-            <p:ph type="hdr" sz="quarter"/>
-          </p:nvPr>
-        </p:nvSpPr>
-        <p:spPr>
-          <a:xfrm>
-            <a:off x="0" y="0"/>
-            <a:ext cx="2971800" cy="458788"/>
-          </a:xfrm>
-          <a:prstGeom prst="rect">
-            <a:avLst/>
-          </a:prstGeom>
-        </p:spPr>
-        <p:txBody>
-          <a:bodyPr vert="horz" lIns="91440" tIns="45720" rIns="91440" bIns="45720" rtlCol="0"/>
-          <a:lstStyle>
-            <a:lvl1pPr algn="l">
-              <a:defRPr sz="1200"/>
-            </a:lvl1pPr>
-          </a:lstStyle>
-          <a:p>
-            <a:endParaRPr lang="en-US"/>
-          </a:p>
-        </p:txBody>
-      </p:sp>
-      <p:sp>
-        <p:nvSpPr>
-          <p:cNvPr id="3" name="Date Placeholder 2"/>
-          <p:cNvSpPr>
-            <a:spLocks noGrp="1"/>
-          </p:cNvSpPr>
-          <p:nvPr>
-            <p:ph type="dt" idx="1"/>
-          </p:nvPr>
-        </p:nvSpPr>
-        <p:spPr>
-          <a:xfrm>
-            <a:off x="3884613" y="0"/>
-            <a:ext cx="2971800" cy="458788"/>
-          </a:xfrm>
-          <a:prstGeom prst="rect">
-            <a:avLst/>
-          </a:prstGeom>
-        </p:spPr>
-        <p:txBody>
-          <a:bodyPr vert="horz" lIns="91440" tIns="45720" rIns="91440" bIns="45720" rtlCol="0"/>
-          <a:lstStyle>
-            <a:lvl1pPr algn="r">
-              <a:defRPr sz="1200"/>
-            </a:lvl1pPr>
-          </a:lstStyle>
-          <a:p>
-            <a:fld id="{5282F153-3F37-0F45-9E97-73ACFA13230C}" type="datetimeFigureOut">
-              <a:rPr lang="en-US"/>
-              <a:t>7/23/19</a:t>
-            </a:fld>
-            <a:endParaRPr lang="en-US"/>
-          </a:p>
-        </p:txBody>
-      </p:sp>
-      <p:sp>
-        <p:nvSpPr>
-          <p:cNvPr id="4" name="Slide Image Placeholder 3"/>
-          <p:cNvSpPr>
-            <a:spLocks noGrp="1" noRot="1" noChangeAspect="1"/>
-          </p:cNvSpPr>
-          <p:nvPr>
-            <p:ph type="sldImg" idx="2"/>
-          </p:nvPr>
-        </p:nvSpPr>
-        <p:spPr>
-          <a:xfrm>
-            <a:off x="685800" y="1143000"/>
-            <a:ext cx="5486400" cy="3086100"/>
-          </a:xfrm>
-          <a:prstGeom prst="rect">
-            <a:avLst/>
-          </a:prstGeom>
-          <a:noFill/>
-          <a:ln w="12700">
-            <a:solidFill>
-              <a:prstClr val="black"/>
-            </a:solidFill>
-          </a:ln>
-        </p:spPr>
-        <p:txBody>
-          <a:bodyPr vert="horz" lIns="91440" tIns="45720" rIns="91440" bIns="45720" rtlCol="0" anchor="ctr"/>
-          <a:lstStyle/>
-          <a:p>
-            <a:endParaRPr lang="en-US"/>
-          </a:p>
-        </p:txBody>
-      </p:sp>
-      <p:sp>
-        <p:nvSpPr>
-          <p:cNvPr id="5" name="Notes Placeholder 4"/>
-          <p:cNvSpPr>
-            <a:spLocks noGrp="1"/>
-          </p:cNvSpPr>
-          <p:nvPr>
-            <p:ph type="body" sz="quarter" idx="3"/>
-          </p:nvPr>
-        </p:nvSpPr>
-        <p:spPr>
-          <a:xfrm>
-            <a:off x="685800" y="4400550"/>
-            <a:ext cx="5486400" cy="3600450"/>
-          </a:xfrm>
-          <a:prstGeom prst="rect">
-            <a:avLst/>
-          </a:prstGeom>
-        </p:spPr>
-        <p:txBody>
-          <a:bodyPr vert="horz" lIns="91440" tIns="45720" rIns="91440" bIns="45720" rtlCol="0"/>
-          <a:lstStyle/>
-          <a:p>
-            <a:pPr lvl="0"/>
-            <a:r>
-              <a:rPr lang="en-US"/>
-              <a:t>Click to edit Master text styles</a:t>
-            </a:r>
-          </a:p>
-          <a:p>
-            <a:pPr lvl="1"/>
-            <a:r>
-              <a:rPr lang="en-US"/>
-              <a:t>Second level</a:t>
-            </a:r>
-          </a:p>
-          <a:p>
-            <a:pPr lvl="2"/>
-            <a:r>
-              <a:rPr lang="en-US"/>
-              <a:t>Third level</a:t>
-            </a:r>
-          </a:p>
-          <a:p>
-            <a:pPr lvl="3"/>
-            <a:r>
-              <a:rPr lang="en-US"/>
-              <a:t>Fourth level</a:t>
-            </a:r>
-          </a:p>
-          <a:p>
-            <a:pPr lvl="4"/>
-            <a:r>
-              <a:rPr lang="en-US"/>
-              <a:t>Fifth level</a:t>
-            </a:r>
-          </a:p>
-        </p:txBody>
-      </p:sp>
-      <p:sp>
-        <p:nvSpPr>
-          <p:cNvPr id="6" name="Footer Placeholder 5"/>
-          <p:cNvSpPr>
-            <a:spLocks noGrp="1"/>
-          </p:cNvSpPr>
-          <p:nvPr>
-            <p:ph type="ftr" sz="quarter" idx="4"/>
-          </p:nvPr>
-        </p:nvSpPr>
-        <p:spPr>
-          <a:xfrm>
-            <a:off x="0" y="8685213"/>
-            <a:ext cx="2971800" cy="458787"/>
-          </a:xfrm>
-          <a:prstGeom prst="rect">
-            <a:avLst/>
-          </a:prstGeom>
-        </p:spPr>
-        <p:txBody>
-          <a:bodyPr vert="horz" lIns="91440" tIns="45720" rIns="91440" bIns="45720" rtlCol="0" anchor="b"/>
-          <a:lstStyle>
-            <a:lvl1pPr algn="l">
-              <a:defRPr sz="1200"/>
-            </a:lvl1pPr>
-          </a:lstStyle>
-          <a:p>
-            <a:endParaRPr lang="en-US"/>
-          </a:p>
-        </p:txBody>
-      </p:sp>
-      <p:sp>
-        <p:nvSpPr>
-          <p:cNvPr id="7" name="Slide Number Placeholder 6"/>
-          <p:cNvSpPr>
-            <a:spLocks noGrp="1"/>
-          </p:cNvSpPr>
-          <p:nvPr>
-            <p:ph type="sldNum" sz="quarter" idx="5"/>
-          </p:nvPr>
-        </p:nvSpPr>
-        <p:spPr>
-          <a:xfrm>
-            <a:off x="3884613" y="8685213"/>
-            <a:ext cx="2971800" cy="458787"/>
-          </a:xfrm>
-          <a:prstGeom prst="rect">
-            <a:avLst/>
-          </a:prstGeom>
-        </p:spPr>
-        <p:txBody>
-          <a:bodyPr vert="horz" lIns="91440" tIns="45720" rIns="91440" bIns="45720" rtlCol="0" anchor="b"/>
-          <a:lstStyle>
-            <a:lvl1pPr algn="r">
-              <a:defRPr sz="1200"/>
-            </a:lvl1pPr>
-          </a:lstStyle>
-          <a:p>
-            <a:fld id="{CE5E9CC1-C706-0F49-92D6-E571CC5EEA8F}" type="slidenum">
-              <a:rPr lang="en-US"/>
-              <a:t>‹#›</a:t>
-            </a:fld>
-            <a:endParaRPr lang="en-US"/>
-          </a:p>
-        </p:txBody>
-      </p:sp>
     </p:spTree>
     <p:extLst>
       <p:ext uri="{BB962C8B-B14F-4D97-AF65-F5344CB8AC3E}">
-        <p14:creationId xmlns:p14="http://schemas.microsoft.com/office/powerpoint/2010/main" val="1024086991"/>
+        <p14:creationId xmlns:p14="http://schemas.microsoft.com/office/powerpoint/2010/main" val="1986069190"/>
       </p:ext>
     </p:extLst>
   </p:cSld>
@@ -512,10 +293,6 @@
           <a:bodyPr/>
           <a:lstStyle/>
           <a:p>
-            <a:r>
-              <a:rPr lang="en-US" dirty="0"/>
-              <a:t/>
-            </a:r>
             <a:endParaRPr lang="en-US" dirty="0"/>
           </a:p>
         </p:txBody>
@@ -600,10 +377,6 @@
           <a:bodyPr/>
           <a:lstStyle/>
           <a:p>
-            <a:r>
-              <a:rPr lang="en-US" dirty="0"/>
-              <a:t/>
-            </a:r>
             <a:endParaRPr lang="en-US" dirty="0"/>
           </a:p>
         </p:txBody>
@@ -688,10 +461,6 @@
           <a:bodyPr/>
           <a:lstStyle/>
           <a:p>
-            <a:r>
-              <a:rPr lang="en-US" dirty="0"/>
-              <a:t/>
-            </a:r>
             <a:endParaRPr lang="en-US" dirty="0"/>
           </a:p>
         </p:txBody>
@@ -776,10 +545,6 @@
           <a:bodyPr/>
           <a:lstStyle/>
           <a:p>
-            <a:r>
-              <a:rPr lang="en-US" dirty="0"/>
-              <a:t/>
-            </a:r>
             <a:endParaRPr lang="en-US" dirty="0"/>
           </a:p>
         </p:txBody>
@@ -864,10 +629,6 @@
           <a:bodyPr/>
           <a:lstStyle/>
           <a:p>
-            <a:r>
-              <a:rPr lang="en-US" dirty="0"/>
-              <a:t/>
-            </a:r>
             <a:endParaRPr lang="en-US" dirty="0"/>
           </a:p>
         </p:txBody>
@@ -952,10 +713,6 @@
           <a:bodyPr/>
           <a:lstStyle/>
           <a:p>
-            <a:r>
-              <a:rPr lang="en-US" dirty="0"/>
-              <a:t/>
-            </a:r>
             <a:endParaRPr lang="en-US" dirty="0"/>
           </a:p>
         </p:txBody>
@@ -1040,10 +797,6 @@
           <a:bodyPr/>
           <a:lstStyle/>
           <a:p>
-            <a:r>
-              <a:rPr lang="en-US" dirty="0"/>
-              <a:t/>
-            </a:r>
             <a:endParaRPr lang="en-US" dirty="0"/>
           </a:p>
         </p:txBody>
@@ -1128,10 +881,6 @@
           <a:bodyPr/>
           <a:lstStyle/>
           <a:p>
-            <a:r>
-              <a:rPr lang="en-US" dirty="0"/>
-              <a:t/>
-            </a:r>
             <a:endParaRPr lang="en-US" dirty="0"/>
           </a:p>
         </p:txBody>
@@ -1216,10 +965,6 @@
           <a:bodyPr/>
           <a:lstStyle/>
           <a:p>
-            <a:r>
-              <a:rPr lang="en-US" dirty="0"/>
-              <a:t/>
-            </a:r>
             <a:endParaRPr lang="en-US" dirty="0"/>
           </a:p>
         </p:txBody>
@@ -1304,10 +1049,6 @@
           <a:bodyPr/>
           <a:lstStyle/>
           <a:p>
-            <a:r>
-              <a:rPr lang="en-US" dirty="0"/>
-              <a:t/>
-            </a:r>
             <a:endParaRPr lang="en-US" dirty="0"/>
           </a:p>
         </p:txBody>
@@ -1392,10 +1133,6 @@
           <a:bodyPr/>
           <a:lstStyle/>
           <a:p>
-            <a:r>
-              <a:rPr lang="en-US" dirty="0"/>
-              <a:t/>
-            </a:r>
             <a:endParaRPr lang="en-US" dirty="0"/>
           </a:p>
         </p:txBody>
@@ -1480,10 +1217,6 @@
           <a:bodyPr/>
           <a:lstStyle/>
           <a:p>
-            <a:r>
-              <a:rPr lang="en-US" dirty="0"/>
-              <a:t/>
-            </a:r>
             <a:endParaRPr lang="en-US" dirty="0"/>
           </a:p>
         </p:txBody>
@@ -1568,10 +1301,6 @@
           <a:bodyPr/>
           <a:lstStyle/>
           <a:p>
-            <a:r>
-              <a:rPr lang="en-US" dirty="0"/>
-              <a:t/>
-            </a:r>
             <a:endParaRPr lang="en-US" dirty="0"/>
           </a:p>
         </p:txBody>
@@ -1645,6 +1374,11 @@
 <file path=ppt/slideMasters/slideMaster1.xml><?xml version="1.0" encoding="utf-8"?>
 <p:sldMaster xmlns:a="http://schemas.openxmlformats.org/drawingml/2006/main" xmlns:r="http://schemas.openxmlformats.org/officeDocument/2006/relationships" xmlns:p="http://schemas.openxmlformats.org/presentationml/2006/main">
   <p:cSld>
+    <p:bg>
+      <p:bgRef idx="1001">
+        <a:schemeClr val="bg1"/>
+      </p:bgRef>
+    </p:bg>
     <p:spTree>
       <p:nvGrpSpPr>
         <p:cNvPr id="1" name=""/>
@@ -1927,6 +1661,7 @@
         <a:solidFill>
           <a:srgbClr val="1E3A8A"/>
         </a:solidFill>
+        <a:effectLst/>
       </p:bgPr>
     </p:bg>
     <p:spTree>
@@ -1945,14 +1680,14 @@
       </p:grpSpPr>
       <p:pic>
         <p:nvPicPr>
-          <p:cNvPr id="2" name="Image 0" descr="preencoded.png">    </p:cNvPr>
+          <p:cNvPr id="2" name="Image 0" descr="preencoded.png"/>
           <p:cNvPicPr>
             <a:picLocks noChangeAspect="1"/>
           </p:cNvPicPr>
           <p:nvPr/>
         </p:nvPicPr>
         <p:blipFill>
-          <a:blip r:embed="rId1"/>
+          <a:blip r:embed="rId3"/>
           <a:stretch>
             <a:fillRect/>
           </a:stretch>
@@ -1988,7 +1723,7 @@
           <a:bodyPr wrap="square" rtlCol="0" anchor="ctr"/>
           <a:lstStyle/>
           <a:p>
-            <a:pPr algn="ctr" indent="0" marL="0">
+            <a:pPr marL="0" indent="0" algn="ctr">
               <a:buNone/>
             </a:pPr>
             <a:r>
@@ -2024,7 +1759,7 @@
           <a:bodyPr wrap="square" rtlCol="0" anchor="ctr"/>
           <a:lstStyle/>
           <a:p>
-            <a:pPr algn="ctr" indent="0" marL="0">
+            <a:pPr marL="0" indent="0" algn="ctr">
               <a:buNone/>
             </a:pPr>
             <a:r>
@@ -2055,6 +1790,7 @@
         <a:solidFill>
           <a:srgbClr val="F1F5F9"/>
         </a:solidFill>
+        <a:effectLst/>
       </p:bgPr>
     </p:bg>
     <p:spTree>
@@ -2073,597 +1809,7 @@
       </p:grpSpPr>
       <p:pic>
         <p:nvPicPr>
-          <p:cNvPr id="2" name="Image 0" descr="preencoded.png">    </p:cNvPr>
-          <p:cNvPicPr>
-            <a:picLocks noChangeAspect="1"/>
-          </p:cNvPicPr>
-          <p:nvPr/>
-        </p:nvPicPr>
-        <p:blipFill>
-          <a:blip r:embed="rId1"/>
-          <a:stretch>
-            <a:fillRect/>
-          </a:stretch>
-        </p:blipFill>
-        <p:spPr>
-          <a:xfrm>
-            <a:off x="457200" y="365760"/>
-            <a:ext cx="457200" cy="457200"/>
-          </a:xfrm>
-          <a:prstGeom prst="rect">
-            <a:avLst/>
-          </a:prstGeom>
-        </p:spPr>
-      </p:pic>
-      <p:sp>
-        <p:nvSpPr>
-          <p:cNvPr id="3" name="Text 0"/>
-          <p:cNvSpPr/>
-          <p:nvPr/>
-        </p:nvSpPr>
-        <p:spPr>
-          <a:xfrm>
-            <a:off x="1005840" y="457200"/>
-            <a:ext cx="7680960" cy="548640"/>
-          </a:xfrm>
-          <a:prstGeom prst="rect">
-            <a:avLst/>
-          </a:prstGeom>
-          <a:noFill/>
-          <a:ln/>
-        </p:spPr>
-        <p:txBody>
-          <a:bodyPr wrap="square" rtlCol="0" anchor="ctr"/>
-          <a:lstStyle/>
-          <a:p>
-            <a:pPr indent="0" marL="0">
-              <a:buNone/>
-            </a:pPr>
-            <a:r>
-              <a:rPr lang="en-US" sz="3400" b="1" dirty="0">
-                <a:solidFill>
-                  <a:srgbClr val="1E3A8A"/>
-                </a:solidFill>
-              </a:rPr>
-              <a:t>The Magic auto Keyword ✨</a:t>
-            </a:r>
-            <a:endParaRPr lang="en-US" sz="3400" dirty="0"/>
-          </a:p>
-        </p:txBody>
-      </p:sp>
-      <p:sp>
-        <p:nvSpPr>
-          <p:cNvPr id="4" name="Shape 1"/>
-          <p:cNvSpPr/>
-          <p:nvPr/>
-        </p:nvSpPr>
-        <p:spPr>
-          <a:xfrm>
-            <a:off x="457200" y="1188720"/>
-            <a:ext cx="8229600" cy="548640"/>
-          </a:xfrm>
-          <a:prstGeom prst="rect">
-            <a:avLst/>
-          </a:prstGeom>
-          <a:solidFill>
-            <a:srgbClr val="0891B2">
-              <a:alpha val="90000"/>
-            </a:srgbClr>
-          </a:solidFill>
-          <a:ln/>
-        </p:spPr>
-      </p:sp>
-      <p:sp>
-        <p:nvSpPr>
-          <p:cNvPr id="5" name="Text 2"/>
-          <p:cNvSpPr/>
-          <p:nvPr/>
-        </p:nvSpPr>
-        <p:spPr>
-          <a:xfrm>
-            <a:off x="640080" y="1325880"/>
-            <a:ext cx="7863840" cy="274320"/>
-          </a:xfrm>
-          <a:prstGeom prst="rect">
-            <a:avLst/>
-          </a:prstGeom>
-          <a:noFill/>
-          <a:ln/>
-        </p:spPr>
-        <p:txBody>
-          <a:bodyPr wrap="square" rtlCol="0" anchor="ctr"/>
-          <a:lstStyle/>
-          <a:p>
-            <a:pPr algn="ctr" indent="0" marL="0">
-              <a:buNone/>
-            </a:pPr>
-            <a:r>
-              <a:rPr lang="en-US" sz="1800" dirty="0">
-                <a:solidFill>
-                  <a:srgbClr val="1E293B"/>
-                </a:solidFill>
-              </a:rPr>
-              <a:t>Compiler figures out the type automatically!</a:t>
-            </a:r>
-            <a:endParaRPr lang="en-US" sz="1800" dirty="0"/>
-          </a:p>
-        </p:txBody>
-      </p:sp>
-      <p:sp>
-        <p:nvSpPr>
-          <p:cNvPr id="6" name="Shape 3"/>
-          <p:cNvSpPr/>
-          <p:nvPr/>
-        </p:nvSpPr>
-        <p:spPr>
-          <a:xfrm>
-            <a:off x="457200" y="1920240"/>
-            <a:ext cx="4023360" cy="1188720"/>
-          </a:xfrm>
-          <a:prstGeom prst="rect">
-            <a:avLst/>
-          </a:prstGeom>
-          <a:solidFill>
-            <a:srgbClr val="FFFFFF"/>
-          </a:solidFill>
-          <a:ln/>
-        </p:spPr>
-      </p:sp>
-      <p:sp>
-        <p:nvSpPr>
-          <p:cNvPr id="7" name="Text 4"/>
-          <p:cNvSpPr/>
-          <p:nvPr/>
-        </p:nvSpPr>
-        <p:spPr>
-          <a:xfrm>
-            <a:off x="548640" y="2011680"/>
-            <a:ext cx="3840480" cy="274320"/>
-          </a:xfrm>
-          <a:prstGeom prst="rect">
-            <a:avLst/>
-          </a:prstGeom>
-          <a:noFill/>
-          <a:ln/>
-        </p:spPr>
-        <p:txBody>
-          <a:bodyPr wrap="square" rtlCol="0" anchor="ctr"/>
-          <a:lstStyle/>
-          <a:p>
-            <a:pPr indent="0" marL="0">
-              <a:buNone/>
-            </a:pPr>
-            <a:r>
-              <a:rPr lang="en-US" sz="1600" b="1" dirty="0">
-                <a:solidFill>
-                  <a:srgbClr val="1E3A8A"/>
-                </a:solidFill>
-              </a:rPr>
-              <a:t>Without auto:</a:t>
-            </a:r>
-            <a:endParaRPr lang="en-US" sz="1600" dirty="0"/>
-          </a:p>
-        </p:txBody>
-      </p:sp>
-      <p:sp>
-        <p:nvSpPr>
-          <p:cNvPr id="8" name="Shape 5"/>
-          <p:cNvSpPr/>
-          <p:nvPr/>
-        </p:nvSpPr>
-        <p:spPr>
-          <a:xfrm>
-            <a:off x="640080" y="2377440"/>
-            <a:ext cx="3657600" cy="640080"/>
-          </a:xfrm>
-          <a:prstGeom prst="rect">
-            <a:avLst/>
-          </a:prstGeom>
-          <a:solidFill>
-            <a:srgbClr val="2D3748"/>
-          </a:solidFill>
-          <a:ln/>
-        </p:spPr>
-      </p:sp>
-      <p:sp>
-        <p:nvSpPr>
-          <p:cNvPr id="9" name="Text 6"/>
-          <p:cNvSpPr/>
-          <p:nvPr/>
-        </p:nvSpPr>
-        <p:spPr>
-          <a:xfrm>
-            <a:off x="731520" y="2468880"/>
-            <a:ext cx="3474720" cy="457200"/>
-          </a:xfrm>
-          <a:prstGeom prst="rect">
-            <a:avLst/>
-          </a:prstGeom>
-          <a:noFill/>
-          <a:ln/>
-        </p:spPr>
-        <p:txBody>
-          <a:bodyPr wrap="square" rtlCol="0" anchor="ctr"/>
-          <a:lstStyle/>
-          <a:p>
-            <a:pPr indent="0" marL="0">
-              <a:buNone/>
-            </a:pPr>
-            <a:r>
-              <a:rPr lang="en-US" sz="1400" dirty="0">
-                <a:solidFill>
-                  <a:srgbClr val="C678DD"/>
-                </a:solidFill>
-                <a:latin typeface="Consolas" pitchFamily="34" charset="0"/>
-                <a:ea typeface="Consolas" pitchFamily="34" charset="-122"/>
-                <a:cs typeface="Consolas" pitchFamily="34" charset="-120"/>
-              </a:rPr>
-              <a:t>int</a:t>
-            </a:r>
-            <a:pPr indent="0" marL="0">
-              <a:buNone/>
-            </a:pPr>
-            <a:r>
-              <a:rPr lang="en-US" sz="1400" dirty="0">
-                <a:solidFill>
-                  <a:srgbClr val="FFFFFF"/>
-                </a:solidFill>
-                <a:latin typeface="Consolas" pitchFamily="34" charset="0"/>
-                <a:ea typeface="Consolas" pitchFamily="34" charset="-122"/>
-                <a:cs typeface="Consolas" pitchFamily="34" charset="-120"/>
-              </a:rPr>
-              <a:t> x = </a:t>
-            </a:r>
-            <a:pPr indent="0" marL="0">
-              <a:buNone/>
-            </a:pPr>
-            <a:r>
-              <a:rPr lang="en-US" sz="1400" dirty="0">
-                <a:solidFill>
-                  <a:srgbClr val="D19A66"/>
-                </a:solidFill>
-                <a:latin typeface="Consolas" pitchFamily="34" charset="0"/>
-                <a:ea typeface="Consolas" pitchFamily="34" charset="-122"/>
-                <a:cs typeface="Consolas" pitchFamily="34" charset="-120"/>
-              </a:rPr>
-              <a:t>5</a:t>
-            </a:r>
-            <a:endParaRPr lang="en-US" sz="1400" dirty="0"/>
-          </a:p>
-          <a:p>
-            <a:pPr indent="0" marL="0">
-              <a:buNone/>
-            </a:pPr>
-            <a:r>
-              <a:rPr lang="en-US" sz="1400" dirty="0">
-                <a:solidFill>
-                  <a:srgbClr val="C678DD"/>
-                </a:solidFill>
-                <a:latin typeface="Consolas" pitchFamily="34" charset="0"/>
-                <a:ea typeface="Consolas" pitchFamily="34" charset="-122"/>
-                <a:cs typeface="Consolas" pitchFamily="34" charset="-120"/>
-              </a:rPr>
-              <a:t>double</a:t>
-            </a:r>
-            <a:pPr indent="0" marL="0">
-              <a:buNone/>
-            </a:pPr>
-            <a:r>
-              <a:rPr lang="en-US" sz="1400" dirty="0">
-                <a:solidFill>
-                  <a:srgbClr val="FFFFFF"/>
-                </a:solidFill>
-                <a:latin typeface="Consolas" pitchFamily="34" charset="0"/>
-                <a:ea typeface="Consolas" pitchFamily="34" charset="-122"/>
-                <a:cs typeface="Consolas" pitchFamily="34" charset="-120"/>
-              </a:rPr>
-              <a:t> y = </a:t>
-            </a:r>
-            <a:pPr indent="0" marL="0">
-              <a:buNone/>
-            </a:pPr>
-            <a:r>
-              <a:rPr lang="en-US" sz="1400" dirty="0">
-                <a:solidFill>
-                  <a:srgbClr val="D19A66"/>
-                </a:solidFill>
-                <a:latin typeface="Consolas" pitchFamily="34" charset="0"/>
-                <a:ea typeface="Consolas" pitchFamily="34" charset="-122"/>
-                <a:cs typeface="Consolas" pitchFamily="34" charset="-120"/>
-              </a:rPr>
-              <a:t>3.14</a:t>
-            </a:r>
-            <a:endParaRPr lang="en-US" sz="1400" dirty="0"/>
-          </a:p>
-        </p:txBody>
-      </p:sp>
-      <p:sp>
-        <p:nvSpPr>
-          <p:cNvPr id="10" name="Shape 7"/>
-          <p:cNvSpPr/>
-          <p:nvPr/>
-        </p:nvSpPr>
-        <p:spPr>
-          <a:xfrm>
-            <a:off x="4663440" y="1920240"/>
-            <a:ext cx="4023360" cy="1188720"/>
-          </a:xfrm>
-          <a:prstGeom prst="rect">
-            <a:avLst/>
-          </a:prstGeom>
-          <a:solidFill>
-            <a:srgbClr val="FFFFFF"/>
-          </a:solidFill>
-          <a:ln/>
-        </p:spPr>
-      </p:sp>
-      <p:sp>
-        <p:nvSpPr>
-          <p:cNvPr id="11" name="Text 8"/>
-          <p:cNvSpPr/>
-          <p:nvPr/>
-        </p:nvSpPr>
-        <p:spPr>
-          <a:xfrm>
-            <a:off x="4754880" y="2011680"/>
-            <a:ext cx="3840480" cy="274320"/>
-          </a:xfrm>
-          <a:prstGeom prst="rect">
-            <a:avLst/>
-          </a:prstGeom>
-          <a:noFill/>
-          <a:ln/>
-        </p:spPr>
-        <p:txBody>
-          <a:bodyPr wrap="square" rtlCol="0" anchor="ctr"/>
-          <a:lstStyle/>
-          <a:p>
-            <a:pPr indent="0" marL="0">
-              <a:buNone/>
-            </a:pPr>
-            <a:r>
-              <a:rPr lang="en-US" sz="1600" b="1" dirty="0">
-                <a:solidFill>
-                  <a:srgbClr val="F59E0B"/>
-                </a:solidFill>
-              </a:rPr>
-              <a:t>With auto:</a:t>
-            </a:r>
-            <a:endParaRPr lang="en-US" sz="1600" dirty="0"/>
-          </a:p>
-        </p:txBody>
-      </p:sp>
-      <p:sp>
-        <p:nvSpPr>
-          <p:cNvPr id="12" name="Shape 9"/>
-          <p:cNvSpPr/>
-          <p:nvPr/>
-        </p:nvSpPr>
-        <p:spPr>
-          <a:xfrm>
-            <a:off x="4846320" y="2377440"/>
-            <a:ext cx="3657600" cy="640080"/>
-          </a:xfrm>
-          <a:prstGeom prst="rect">
-            <a:avLst/>
-          </a:prstGeom>
-          <a:solidFill>
-            <a:srgbClr val="2D3748"/>
-          </a:solidFill>
-          <a:ln/>
-        </p:spPr>
-      </p:sp>
-      <p:sp>
-        <p:nvSpPr>
-          <p:cNvPr id="13" name="Text 10"/>
-          <p:cNvSpPr/>
-          <p:nvPr/>
-        </p:nvSpPr>
-        <p:spPr>
-          <a:xfrm>
-            <a:off x="4937760" y="2468880"/>
-            <a:ext cx="3474720" cy="457200"/>
-          </a:xfrm>
-          <a:prstGeom prst="rect">
-            <a:avLst/>
-          </a:prstGeom>
-          <a:noFill/>
-          <a:ln/>
-        </p:spPr>
-        <p:txBody>
-          <a:bodyPr wrap="square" rtlCol="0" anchor="ctr"/>
-          <a:lstStyle/>
-          <a:p>
-            <a:pPr indent="0" marL="0">
-              <a:buNone/>
-            </a:pPr>
-            <a:r>
-              <a:rPr lang="en-US" sz="1400" dirty="0">
-                <a:solidFill>
-                  <a:srgbClr val="C678DD"/>
-                </a:solidFill>
-                <a:latin typeface="Consolas" pitchFamily="34" charset="0"/>
-                <a:ea typeface="Consolas" pitchFamily="34" charset="-122"/>
-                <a:cs typeface="Consolas" pitchFamily="34" charset="-120"/>
-              </a:rPr>
-              <a:t>auto</a:t>
-            </a:r>
-            <a:pPr indent="0" marL="0">
-              <a:buNone/>
-            </a:pPr>
-            <a:r>
-              <a:rPr lang="en-US" sz="1400" dirty="0">
-                <a:solidFill>
-                  <a:srgbClr val="FFFFFF"/>
-                </a:solidFill>
-                <a:latin typeface="Consolas" pitchFamily="34" charset="0"/>
-                <a:ea typeface="Consolas" pitchFamily="34" charset="-122"/>
-                <a:cs typeface="Consolas" pitchFamily="34" charset="-120"/>
-              </a:rPr>
-              <a:t> x = </a:t>
-            </a:r>
-            <a:pPr indent="0" marL="0">
-              <a:buNone/>
-            </a:pPr>
-            <a:r>
-              <a:rPr lang="en-US" sz="1400" dirty="0">
-                <a:solidFill>
-                  <a:srgbClr val="D19A66"/>
-                </a:solidFill>
-                <a:latin typeface="Consolas" pitchFamily="34" charset="0"/>
-                <a:ea typeface="Consolas" pitchFamily="34" charset="-122"/>
-                <a:cs typeface="Consolas" pitchFamily="34" charset="-120"/>
-              </a:rPr>
-              <a:t>5</a:t>
-            </a:r>
-            <a:endParaRPr lang="en-US" sz="1400" dirty="0"/>
-          </a:p>
-          <a:p>
-            <a:pPr indent="0" marL="0">
-              <a:buNone/>
-            </a:pPr>
-            <a:r>
-              <a:rPr lang="en-US" sz="1400" dirty="0">
-                <a:solidFill>
-                  <a:srgbClr val="C678DD"/>
-                </a:solidFill>
-                <a:latin typeface="Consolas" pitchFamily="34" charset="0"/>
-                <a:ea typeface="Consolas" pitchFamily="34" charset="-122"/>
-                <a:cs typeface="Consolas" pitchFamily="34" charset="-120"/>
-              </a:rPr>
-              <a:t>auto</a:t>
-            </a:r>
-            <a:pPr indent="0" marL="0">
-              <a:buNone/>
-            </a:pPr>
-            <a:r>
-              <a:rPr lang="en-US" sz="1400" dirty="0">
-                <a:solidFill>
-                  <a:srgbClr val="FFFFFF"/>
-                </a:solidFill>
-                <a:latin typeface="Consolas" pitchFamily="34" charset="0"/>
-                <a:ea typeface="Consolas" pitchFamily="34" charset="-122"/>
-                <a:cs typeface="Consolas" pitchFamily="34" charset="-120"/>
-              </a:rPr>
-              <a:t> y = </a:t>
-            </a:r>
-            <a:pPr indent="0" marL="0">
-              <a:buNone/>
-            </a:pPr>
-            <a:r>
-              <a:rPr lang="en-US" sz="1400" dirty="0">
-                <a:solidFill>
-                  <a:srgbClr val="D19A66"/>
-                </a:solidFill>
-                <a:latin typeface="Consolas" pitchFamily="34" charset="0"/>
-                <a:ea typeface="Consolas" pitchFamily="34" charset="-122"/>
-                <a:cs typeface="Consolas" pitchFamily="34" charset="-120"/>
-              </a:rPr>
-              <a:t>3.14</a:t>
-            </a:r>
-            <a:endParaRPr lang="en-US" sz="1400" dirty="0"/>
-          </a:p>
-        </p:txBody>
-      </p:sp>
-      <p:sp>
-        <p:nvSpPr>
-          <p:cNvPr id="14" name="Text 11"/>
-          <p:cNvSpPr/>
-          <p:nvPr/>
-        </p:nvSpPr>
-        <p:spPr>
-          <a:xfrm>
-            <a:off x="457200" y="3291840"/>
-            <a:ext cx="8229600" cy="274320"/>
-          </a:xfrm>
-          <a:prstGeom prst="rect">
-            <a:avLst/>
-          </a:prstGeom>
-          <a:noFill/>
-          <a:ln/>
-        </p:spPr>
-        <p:txBody>
-          <a:bodyPr wrap="square" rtlCol="0" anchor="ctr"/>
-          <a:lstStyle/>
-          <a:p>
-            <a:pPr indent="0" marL="0">
-              <a:buNone/>
-            </a:pPr>
-            <a:r>
-              <a:rPr lang="en-US" sz="1800" b="1" dirty="0">
-                <a:solidFill>
-                  <a:srgbClr val="1E3A8A"/>
-                </a:solidFill>
-              </a:rPr>
-              <a:t>When to use:</a:t>
-            </a:r>
-            <a:endParaRPr lang="en-US" sz="1800" dirty="0"/>
-          </a:p>
-        </p:txBody>
-      </p:sp>
-      <p:pic>
-        <p:nvPicPr>
-          <p:cNvPr id="15" name="Image 1" descr="preencoded.png">    </p:cNvPr>
-          <p:cNvPicPr>
-            <a:picLocks noChangeAspect="1"/>
-          </p:cNvPicPr>
-          <p:nvPr/>
-        </p:nvPicPr>
-        <p:blipFill>
-          <a:blip r:embed="rId2"/>
-          <a:stretch>
-            <a:fillRect/>
-          </a:stretch>
-        </p:blipFill>
-        <p:spPr>
-          <a:xfrm>
-            <a:off x="640080" y="3657600"/>
-            <a:ext cx="228600" cy="228600"/>
-          </a:xfrm>
-          <a:prstGeom prst="rect">
-            <a:avLst/>
-          </a:prstGeom>
-        </p:spPr>
-      </p:pic>
-      <p:sp>
-        <p:nvSpPr>
-          <p:cNvPr id="16" name="Text 12"/>
-          <p:cNvSpPr/>
-          <p:nvPr/>
-        </p:nvSpPr>
-        <p:spPr>
-          <a:xfrm>
-            <a:off x="914400" y="3657600"/>
-            <a:ext cx="2286000" cy="228600"/>
-          </a:xfrm>
-          <a:prstGeom prst="rect">
-            <a:avLst/>
-          </a:prstGeom>
-          <a:noFill/>
-          <a:ln/>
-        </p:spPr>
-        <p:txBody>
-          <a:bodyPr wrap="square" rtlCol="0" anchor="ctr"/>
-          <a:lstStyle/>
-          <a:p>
-            <a:pPr indent="0" marL="0">
-              <a:buNone/>
-            </a:pPr>
-            <a:r>
-              <a:rPr lang="en-US" sz="1400" dirty="0">
-                <a:solidFill>
-                  <a:srgbClr val="1E293B"/>
-                </a:solidFill>
-              </a:rPr>
-              <a:t>Type is obvious</a:t>
-            </a:r>
-            <a:endParaRPr lang="en-US" sz="1400" dirty="0"/>
-          </a:p>
-        </p:txBody>
-      </p:sp>
-      <p:pic>
-        <p:nvPicPr>
-          <p:cNvPr id="17" name="Image 2" descr="preencoded.png">    </p:cNvPr>
+          <p:cNvPr id="2" name="Image 0" descr="preencoded.png"/>
           <p:cNvPicPr>
             <a:picLocks noChangeAspect="1"/>
           </p:cNvPicPr>
@@ -2677,8 +1823,8 @@
         </p:blipFill>
         <p:spPr>
           <a:xfrm>
-            <a:off x="3474720" y="3657600"/>
-            <a:ext cx="228600" cy="228600"/>
+            <a:off x="457200" y="365760"/>
+            <a:ext cx="457200" cy="457200"/>
           </a:xfrm>
           <a:prstGeom prst="rect">
             <a:avLst/>
@@ -2687,14 +1833,14 @@
       </p:pic>
       <p:sp>
         <p:nvSpPr>
-          <p:cNvPr id="18" name="Text 13"/>
-          <p:cNvSpPr/>
-          <p:nvPr/>
-        </p:nvSpPr>
-        <p:spPr>
-          <a:xfrm>
-            <a:off x="3749040" y="3657600"/>
-            <a:ext cx="2286000" cy="228600"/>
+          <p:cNvPr id="3" name="Text 0"/>
+          <p:cNvSpPr/>
+          <p:nvPr/>
+        </p:nvSpPr>
+        <p:spPr>
+          <a:xfrm>
+            <a:off x="1005840" y="457200"/>
+            <a:ext cx="7680960" cy="548640"/>
           </a:xfrm>
           <a:prstGeom prst="rect">
             <a:avLst/>
@@ -2706,24 +1852,505 @@
           <a:bodyPr wrap="square" rtlCol="0" anchor="ctr"/>
           <a:lstStyle/>
           <a:p>
-            <a:pPr indent="0" marL="0">
+            <a:pPr marL="0" indent="0">
+              <a:buNone/>
+            </a:pPr>
+            <a:r>
+              <a:rPr lang="en-US" sz="3400" b="1" dirty="0">
+                <a:solidFill>
+                  <a:srgbClr val="1E3A8A"/>
+                </a:solidFill>
+              </a:rPr>
+              <a:t>The Magic auto Keyword ✨</a:t>
+            </a:r>
+            <a:endParaRPr lang="en-US" sz="3400" dirty="0"/>
+          </a:p>
+        </p:txBody>
+      </p:sp>
+      <p:sp>
+        <p:nvSpPr>
+          <p:cNvPr id="4" name="Shape 1"/>
+          <p:cNvSpPr/>
+          <p:nvPr/>
+        </p:nvSpPr>
+        <p:spPr>
+          <a:xfrm>
+            <a:off x="457200" y="1188720"/>
+            <a:ext cx="8229600" cy="548640"/>
+          </a:xfrm>
+          <a:prstGeom prst="rect">
+            <a:avLst/>
+          </a:prstGeom>
+          <a:solidFill>
+            <a:srgbClr val="0891B2">
+              <a:alpha val="90000"/>
+            </a:srgbClr>
+          </a:solidFill>
+          <a:ln/>
+        </p:spPr>
+        <p:txBody>
+          <a:bodyPr/>
+          <a:lstStyle/>
+          <a:p>
+            <a:endParaRPr lang="en-KW"/>
+          </a:p>
+        </p:txBody>
+      </p:sp>
+      <p:sp>
+        <p:nvSpPr>
+          <p:cNvPr id="5" name="Text 2"/>
+          <p:cNvSpPr/>
+          <p:nvPr/>
+        </p:nvSpPr>
+        <p:spPr>
+          <a:xfrm>
+            <a:off x="640080" y="1325880"/>
+            <a:ext cx="7863840" cy="274320"/>
+          </a:xfrm>
+          <a:prstGeom prst="rect">
+            <a:avLst/>
+          </a:prstGeom>
+          <a:noFill/>
+          <a:ln/>
+        </p:spPr>
+        <p:txBody>
+          <a:bodyPr wrap="square" rtlCol="0" anchor="ctr"/>
+          <a:lstStyle/>
+          <a:p>
+            <a:pPr marL="0" indent="0" algn="ctr">
+              <a:buNone/>
+            </a:pPr>
+            <a:r>
+              <a:rPr lang="en-US" sz="1800" dirty="0">
+                <a:solidFill>
+                  <a:srgbClr val="1E293B"/>
+                </a:solidFill>
+              </a:rPr>
+              <a:t>Compiler figures out the type automatically!</a:t>
+            </a:r>
+            <a:endParaRPr lang="en-US" sz="1800" dirty="0"/>
+          </a:p>
+        </p:txBody>
+      </p:sp>
+      <p:sp>
+        <p:nvSpPr>
+          <p:cNvPr id="6" name="Shape 3"/>
+          <p:cNvSpPr/>
+          <p:nvPr/>
+        </p:nvSpPr>
+        <p:spPr>
+          <a:xfrm>
+            <a:off x="457200" y="1920240"/>
+            <a:ext cx="4023360" cy="1188720"/>
+          </a:xfrm>
+          <a:prstGeom prst="rect">
+            <a:avLst/>
+          </a:prstGeom>
+          <a:solidFill>
+            <a:srgbClr val="FFFFFF"/>
+          </a:solidFill>
+          <a:ln/>
+        </p:spPr>
+        <p:txBody>
+          <a:bodyPr/>
+          <a:lstStyle/>
+          <a:p>
+            <a:endParaRPr lang="en-KW"/>
+          </a:p>
+        </p:txBody>
+      </p:sp>
+      <p:sp>
+        <p:nvSpPr>
+          <p:cNvPr id="7" name="Text 4"/>
+          <p:cNvSpPr/>
+          <p:nvPr/>
+        </p:nvSpPr>
+        <p:spPr>
+          <a:xfrm>
+            <a:off x="548640" y="2011680"/>
+            <a:ext cx="3840480" cy="274320"/>
+          </a:xfrm>
+          <a:prstGeom prst="rect">
+            <a:avLst/>
+          </a:prstGeom>
+          <a:noFill/>
+          <a:ln/>
+        </p:spPr>
+        <p:txBody>
+          <a:bodyPr wrap="square" rtlCol="0" anchor="ctr"/>
+          <a:lstStyle/>
+          <a:p>
+            <a:pPr marL="0" indent="0">
+              <a:buNone/>
+            </a:pPr>
+            <a:r>
+              <a:rPr lang="en-US" sz="1600" b="1" dirty="0">
+                <a:solidFill>
+                  <a:srgbClr val="1E3A8A"/>
+                </a:solidFill>
+              </a:rPr>
+              <a:t>Without auto:</a:t>
+            </a:r>
+            <a:endParaRPr lang="en-US" sz="1600" dirty="0"/>
+          </a:p>
+        </p:txBody>
+      </p:sp>
+      <p:sp>
+        <p:nvSpPr>
+          <p:cNvPr id="8" name="Shape 5"/>
+          <p:cNvSpPr/>
+          <p:nvPr/>
+        </p:nvSpPr>
+        <p:spPr>
+          <a:xfrm>
+            <a:off x="640080" y="2377440"/>
+            <a:ext cx="3657600" cy="640080"/>
+          </a:xfrm>
+          <a:prstGeom prst="rect">
+            <a:avLst/>
+          </a:prstGeom>
+          <a:solidFill>
+            <a:srgbClr val="2D3748"/>
+          </a:solidFill>
+          <a:ln/>
+        </p:spPr>
+        <p:txBody>
+          <a:bodyPr/>
+          <a:lstStyle/>
+          <a:p>
+            <a:endParaRPr lang="en-KW"/>
+          </a:p>
+        </p:txBody>
+      </p:sp>
+      <p:sp>
+        <p:nvSpPr>
+          <p:cNvPr id="9" name="Text 6"/>
+          <p:cNvSpPr/>
+          <p:nvPr/>
+        </p:nvSpPr>
+        <p:spPr>
+          <a:xfrm>
+            <a:off x="731520" y="2468880"/>
+            <a:ext cx="3474720" cy="457200"/>
+          </a:xfrm>
+          <a:prstGeom prst="rect">
+            <a:avLst/>
+          </a:prstGeom>
+          <a:noFill/>
+          <a:ln/>
+        </p:spPr>
+        <p:txBody>
+          <a:bodyPr wrap="square" rtlCol="0" anchor="ctr"/>
+          <a:lstStyle/>
+          <a:p>
+            <a:pPr marL="0" indent="0">
               <a:buNone/>
             </a:pPr>
             <a:r>
               <a:rPr lang="en-US" sz="1400" dirty="0">
                 <a:solidFill>
-                  <a:srgbClr val="1E293B"/>
-                </a:solidFill>
-              </a:rPr>
-              <a:t>Save typing</a:t>
+                  <a:srgbClr val="C678DD"/>
+                </a:solidFill>
+                <a:latin typeface="Consolas" pitchFamily="34" charset="0"/>
+                <a:ea typeface="Consolas" pitchFamily="34" charset="-122"/>
+                <a:cs typeface="Consolas" pitchFamily="34" charset="-120"/>
+              </a:rPr>
+              <a:t>int</a:t>
+            </a:r>
+            <a:r>
+              <a:rPr lang="en-US" sz="1400" dirty="0">
+                <a:solidFill>
+                  <a:srgbClr val="FFFFFF"/>
+                </a:solidFill>
+                <a:latin typeface="Consolas" pitchFamily="34" charset="0"/>
+                <a:ea typeface="Consolas" pitchFamily="34" charset="-122"/>
+                <a:cs typeface="Consolas" pitchFamily="34" charset="-120"/>
+              </a:rPr>
+              <a:t> x = </a:t>
+            </a:r>
+            <a:r>
+              <a:rPr lang="en-US" sz="1400" dirty="0">
+                <a:solidFill>
+                  <a:srgbClr val="D19A66"/>
+                </a:solidFill>
+                <a:latin typeface="Consolas" pitchFamily="34" charset="0"/>
+                <a:ea typeface="Consolas" pitchFamily="34" charset="-122"/>
+                <a:cs typeface="Consolas" pitchFamily="34" charset="-120"/>
+              </a:rPr>
+              <a:t>5;</a:t>
             </a:r>
             <a:endParaRPr lang="en-US" sz="1400" dirty="0"/>
+          </a:p>
+          <a:p>
+            <a:pPr marL="0" indent="0">
+              <a:buNone/>
+            </a:pPr>
+            <a:r>
+              <a:rPr lang="en-US" sz="1400" dirty="0">
+                <a:solidFill>
+                  <a:srgbClr val="C678DD"/>
+                </a:solidFill>
+                <a:latin typeface="Consolas" pitchFamily="34" charset="0"/>
+                <a:ea typeface="Consolas" pitchFamily="34" charset="-122"/>
+                <a:cs typeface="Consolas" pitchFamily="34" charset="-120"/>
+              </a:rPr>
+              <a:t>double</a:t>
+            </a:r>
+            <a:r>
+              <a:rPr lang="en-US" sz="1400" dirty="0">
+                <a:solidFill>
+                  <a:srgbClr val="FFFFFF"/>
+                </a:solidFill>
+                <a:latin typeface="Consolas" pitchFamily="34" charset="0"/>
+                <a:ea typeface="Consolas" pitchFamily="34" charset="-122"/>
+                <a:cs typeface="Consolas" pitchFamily="34" charset="-120"/>
+              </a:rPr>
+              <a:t> y = </a:t>
+            </a:r>
+            <a:r>
+              <a:rPr lang="en-US" sz="1400" dirty="0">
+                <a:solidFill>
+                  <a:srgbClr val="D19A66"/>
+                </a:solidFill>
+                <a:latin typeface="Consolas" pitchFamily="34" charset="0"/>
+                <a:ea typeface="Consolas" pitchFamily="34" charset="-122"/>
+                <a:cs typeface="Consolas" pitchFamily="34" charset="-120"/>
+              </a:rPr>
+              <a:t>3.14;</a:t>
+            </a:r>
+            <a:endParaRPr lang="en-US" sz="1400" dirty="0"/>
+          </a:p>
+        </p:txBody>
+      </p:sp>
+      <p:sp>
+        <p:nvSpPr>
+          <p:cNvPr id="10" name="Shape 7"/>
+          <p:cNvSpPr/>
+          <p:nvPr/>
+        </p:nvSpPr>
+        <p:spPr>
+          <a:xfrm>
+            <a:off x="4663440" y="1920240"/>
+            <a:ext cx="4023360" cy="1188720"/>
+          </a:xfrm>
+          <a:prstGeom prst="rect">
+            <a:avLst/>
+          </a:prstGeom>
+          <a:solidFill>
+            <a:srgbClr val="FFFFFF"/>
+          </a:solidFill>
+          <a:ln/>
+        </p:spPr>
+        <p:txBody>
+          <a:bodyPr/>
+          <a:lstStyle/>
+          <a:p>
+            <a:endParaRPr lang="en-KW"/>
+          </a:p>
+        </p:txBody>
+      </p:sp>
+      <p:sp>
+        <p:nvSpPr>
+          <p:cNvPr id="11" name="Text 8"/>
+          <p:cNvSpPr/>
+          <p:nvPr/>
+        </p:nvSpPr>
+        <p:spPr>
+          <a:xfrm>
+            <a:off x="4754880" y="2011680"/>
+            <a:ext cx="3840480" cy="274320"/>
+          </a:xfrm>
+          <a:prstGeom prst="rect">
+            <a:avLst/>
+          </a:prstGeom>
+          <a:noFill/>
+          <a:ln/>
+        </p:spPr>
+        <p:txBody>
+          <a:bodyPr wrap="square" rtlCol="0" anchor="ctr"/>
+          <a:lstStyle/>
+          <a:p>
+            <a:pPr marL="0" indent="0">
+              <a:buNone/>
+            </a:pPr>
+            <a:r>
+              <a:rPr lang="en-US" sz="1600" b="1" dirty="0">
+                <a:solidFill>
+                  <a:srgbClr val="F59E0B"/>
+                </a:solidFill>
+              </a:rPr>
+              <a:t>With auto:</a:t>
+            </a:r>
+            <a:endParaRPr lang="en-US" sz="1600" dirty="0"/>
+          </a:p>
+        </p:txBody>
+      </p:sp>
+      <p:sp>
+        <p:nvSpPr>
+          <p:cNvPr id="12" name="Shape 9"/>
+          <p:cNvSpPr/>
+          <p:nvPr/>
+        </p:nvSpPr>
+        <p:spPr>
+          <a:xfrm>
+            <a:off x="4846320" y="2377440"/>
+            <a:ext cx="3657600" cy="640080"/>
+          </a:xfrm>
+          <a:prstGeom prst="rect">
+            <a:avLst/>
+          </a:prstGeom>
+          <a:solidFill>
+            <a:srgbClr val="2D3748"/>
+          </a:solidFill>
+          <a:ln/>
+        </p:spPr>
+        <p:txBody>
+          <a:bodyPr/>
+          <a:lstStyle/>
+          <a:p>
+            <a:endParaRPr lang="en-KW"/>
+          </a:p>
+        </p:txBody>
+      </p:sp>
+      <p:sp>
+        <p:nvSpPr>
+          <p:cNvPr id="13" name="Text 10"/>
+          <p:cNvSpPr/>
+          <p:nvPr/>
+        </p:nvSpPr>
+        <p:spPr>
+          <a:xfrm>
+            <a:off x="4937760" y="2468880"/>
+            <a:ext cx="3474720" cy="457200"/>
+          </a:xfrm>
+          <a:prstGeom prst="rect">
+            <a:avLst/>
+          </a:prstGeom>
+          <a:noFill/>
+          <a:ln/>
+        </p:spPr>
+        <p:txBody>
+          <a:bodyPr wrap="square" rtlCol="0" anchor="ctr"/>
+          <a:lstStyle/>
+          <a:p>
+            <a:pPr marL="0" indent="0">
+              <a:buNone/>
+            </a:pPr>
+            <a:r>
+              <a:rPr lang="en-US" sz="1400" dirty="0">
+                <a:solidFill>
+                  <a:srgbClr val="C678DD"/>
+                </a:solidFill>
+                <a:latin typeface="Consolas" pitchFamily="34" charset="0"/>
+                <a:ea typeface="Consolas" pitchFamily="34" charset="-122"/>
+                <a:cs typeface="Consolas" pitchFamily="34" charset="-120"/>
+              </a:rPr>
+              <a:t>auto</a:t>
+            </a:r>
+            <a:r>
+              <a:rPr lang="en-US" sz="1400" dirty="0">
+                <a:solidFill>
+                  <a:srgbClr val="FFFFFF"/>
+                </a:solidFill>
+                <a:latin typeface="Consolas" pitchFamily="34" charset="0"/>
+                <a:ea typeface="Consolas" pitchFamily="34" charset="-122"/>
+                <a:cs typeface="Consolas" pitchFamily="34" charset="-120"/>
+              </a:rPr>
+              <a:t> x = </a:t>
+            </a:r>
+            <a:r>
+              <a:rPr lang="en-US" sz="1400" dirty="0">
+                <a:solidFill>
+                  <a:srgbClr val="D19A66"/>
+                </a:solidFill>
+                <a:latin typeface="Consolas" pitchFamily="34" charset="0"/>
+                <a:ea typeface="Consolas" pitchFamily="34" charset="-122"/>
+                <a:cs typeface="Consolas" pitchFamily="34" charset="-120"/>
+              </a:rPr>
+              <a:t>5;</a:t>
+            </a:r>
+            <a:endParaRPr lang="en-US" sz="1400" dirty="0"/>
+          </a:p>
+          <a:p>
+            <a:pPr marL="0" indent="0">
+              <a:buNone/>
+            </a:pPr>
+            <a:r>
+              <a:rPr lang="en-US" sz="1400" dirty="0">
+                <a:solidFill>
+                  <a:srgbClr val="C678DD"/>
+                </a:solidFill>
+                <a:latin typeface="Consolas" pitchFamily="34" charset="0"/>
+                <a:ea typeface="Consolas" pitchFamily="34" charset="-122"/>
+                <a:cs typeface="Consolas" pitchFamily="34" charset="-120"/>
+              </a:rPr>
+              <a:t>auto</a:t>
+            </a:r>
+            <a:r>
+              <a:rPr lang="en-US" sz="1400" dirty="0">
+                <a:solidFill>
+                  <a:srgbClr val="FFFFFF"/>
+                </a:solidFill>
+                <a:latin typeface="Consolas" pitchFamily="34" charset="0"/>
+                <a:ea typeface="Consolas" pitchFamily="34" charset="-122"/>
+                <a:cs typeface="Consolas" pitchFamily="34" charset="-120"/>
+              </a:rPr>
+              <a:t> y = </a:t>
+            </a:r>
+            <a:r>
+              <a:rPr lang="en-US" sz="1400" dirty="0">
+                <a:solidFill>
+                  <a:srgbClr val="D19A66"/>
+                </a:solidFill>
+                <a:latin typeface="Consolas" pitchFamily="34" charset="0"/>
+                <a:ea typeface="Consolas" pitchFamily="34" charset="-122"/>
+                <a:cs typeface="Consolas" pitchFamily="34" charset="-120"/>
+              </a:rPr>
+              <a:t>3.14;</a:t>
+            </a:r>
+            <a:endParaRPr lang="en-US" sz="1400" dirty="0"/>
+          </a:p>
+        </p:txBody>
+      </p:sp>
+      <p:sp>
+        <p:nvSpPr>
+          <p:cNvPr id="14" name="Text 11"/>
+          <p:cNvSpPr/>
+          <p:nvPr/>
+        </p:nvSpPr>
+        <p:spPr>
+          <a:xfrm>
+            <a:off x="457200" y="3291840"/>
+            <a:ext cx="8229600" cy="274320"/>
+          </a:xfrm>
+          <a:prstGeom prst="rect">
+            <a:avLst/>
+          </a:prstGeom>
+          <a:noFill/>
+          <a:ln/>
+        </p:spPr>
+        <p:txBody>
+          <a:bodyPr wrap="square" rtlCol="0" anchor="ctr"/>
+          <a:lstStyle/>
+          <a:p>
+            <a:pPr marL="0" indent="0">
+              <a:buNone/>
+            </a:pPr>
+            <a:r>
+              <a:rPr lang="en-US" sz="1800" b="1" dirty="0">
+                <a:solidFill>
+                  <a:srgbClr val="1E3A8A"/>
+                </a:solidFill>
+              </a:rPr>
+              <a:t>When to use:</a:t>
+            </a:r>
+            <a:endParaRPr lang="en-US" sz="1800" dirty="0"/>
           </a:p>
         </p:txBody>
       </p:sp>
       <p:pic>
         <p:nvPicPr>
-          <p:cNvPr id="19" name="Image 3" descr="preencoded.png">    </p:cNvPr>
+          <p:cNvPr id="15" name="Image 1" descr="preencoded.png"/>
           <p:cNvPicPr>
             <a:picLocks noChangeAspect="1"/>
           </p:cNvPicPr>
@@ -2737,6 +2364,126 @@
         </p:blipFill>
         <p:spPr>
           <a:xfrm>
+            <a:off x="640080" y="3657600"/>
+            <a:ext cx="228600" cy="228600"/>
+          </a:xfrm>
+          <a:prstGeom prst="rect">
+            <a:avLst/>
+          </a:prstGeom>
+        </p:spPr>
+      </p:pic>
+      <p:sp>
+        <p:nvSpPr>
+          <p:cNvPr id="16" name="Text 12"/>
+          <p:cNvSpPr/>
+          <p:nvPr/>
+        </p:nvSpPr>
+        <p:spPr>
+          <a:xfrm>
+            <a:off x="914400" y="3657600"/>
+            <a:ext cx="2286000" cy="228600"/>
+          </a:xfrm>
+          <a:prstGeom prst="rect">
+            <a:avLst/>
+          </a:prstGeom>
+          <a:noFill/>
+          <a:ln/>
+        </p:spPr>
+        <p:txBody>
+          <a:bodyPr wrap="square" rtlCol="0" anchor="ctr"/>
+          <a:lstStyle/>
+          <a:p>
+            <a:pPr marL="0" indent="0">
+              <a:buNone/>
+            </a:pPr>
+            <a:r>
+              <a:rPr lang="en-US" sz="1400" dirty="0">
+                <a:solidFill>
+                  <a:srgbClr val="1E293B"/>
+                </a:solidFill>
+              </a:rPr>
+              <a:t>Type is obvious</a:t>
+            </a:r>
+            <a:endParaRPr lang="en-US" sz="1400" dirty="0"/>
+          </a:p>
+        </p:txBody>
+      </p:sp>
+      <p:pic>
+        <p:nvPicPr>
+          <p:cNvPr id="17" name="Image 2" descr="preencoded.png"/>
+          <p:cNvPicPr>
+            <a:picLocks noChangeAspect="1"/>
+          </p:cNvPicPr>
+          <p:nvPr/>
+        </p:nvPicPr>
+        <p:blipFill>
+          <a:blip r:embed="rId4"/>
+          <a:stretch>
+            <a:fillRect/>
+          </a:stretch>
+        </p:blipFill>
+        <p:spPr>
+          <a:xfrm>
+            <a:off x="3474720" y="3657600"/>
+            <a:ext cx="228600" cy="228600"/>
+          </a:xfrm>
+          <a:prstGeom prst="rect">
+            <a:avLst/>
+          </a:prstGeom>
+        </p:spPr>
+      </p:pic>
+      <p:sp>
+        <p:nvSpPr>
+          <p:cNvPr id="18" name="Text 13"/>
+          <p:cNvSpPr/>
+          <p:nvPr/>
+        </p:nvSpPr>
+        <p:spPr>
+          <a:xfrm>
+            <a:off x="3749040" y="3657600"/>
+            <a:ext cx="2286000" cy="228600"/>
+          </a:xfrm>
+          <a:prstGeom prst="rect">
+            <a:avLst/>
+          </a:prstGeom>
+          <a:noFill/>
+          <a:ln/>
+        </p:spPr>
+        <p:txBody>
+          <a:bodyPr wrap="square" rtlCol="0" anchor="ctr"/>
+          <a:lstStyle/>
+          <a:p>
+            <a:pPr marL="0" indent="0">
+              <a:buNone/>
+            </a:pPr>
+            <a:r>
+              <a:rPr lang="en-US" sz="1400" dirty="0">
+                <a:solidFill>
+                  <a:srgbClr val="1E293B"/>
+                </a:solidFill>
+              </a:rPr>
+              <a:t>Save typing</a:t>
+            </a:r>
+            <a:endParaRPr lang="en-US" sz="1400" dirty="0"/>
+          </a:p>
+        </p:txBody>
+      </p:sp>
+      <p:pic>
+        <p:nvPicPr>
+          <p:cNvPr id="19" name="Image 3" descr="preencoded.png"/>
+          <p:cNvPicPr>
+            <a:picLocks noChangeAspect="1"/>
+          </p:cNvPicPr>
+          <p:nvPr/>
+        </p:nvPicPr>
+        <p:blipFill>
+          <a:blip r:embed="rId5"/>
+          <a:stretch>
+            <a:fillRect/>
+          </a:stretch>
+        </p:blipFill>
+        <p:spPr>
+          <a:xfrm>
             <a:off x="6309360" y="3657600"/>
             <a:ext cx="228600" cy="228600"/>
           </a:xfrm>
@@ -2766,7 +2513,7 @@
           <a:bodyPr wrap="square" rtlCol="0" anchor="ctr"/>
           <a:lstStyle/>
           <a:p>
-            <a:pPr indent="0" marL="0">
+            <a:pPr marL="0" indent="0">
               <a:buNone/>
             </a:pPr>
             <a:r>
@@ -2797,6 +2544,7 @@
         <a:solidFill>
           <a:srgbClr val="F1F5F9"/>
         </a:solidFill>
+        <a:effectLst/>
       </p:bgPr>
     </p:bg>
     <p:spTree>
@@ -2815,14 +2563,14 @@
       </p:grpSpPr>
       <p:pic>
         <p:nvPicPr>
-          <p:cNvPr id="2" name="Image 0" descr="preencoded.png">    </p:cNvPr>
+          <p:cNvPr id="2" name="Image 0" descr="preencoded.png"/>
           <p:cNvPicPr>
             <a:picLocks noChangeAspect="1"/>
           </p:cNvPicPr>
           <p:nvPr/>
         </p:nvPicPr>
         <p:blipFill>
-          <a:blip r:embed="rId1"/>
+          <a:blip r:embed="rId3"/>
           <a:stretch>
             <a:fillRect/>
           </a:stretch>
@@ -2858,7 +2606,7 @@
           <a:bodyPr wrap="square" rtlCol="0" anchor="ctr"/>
           <a:lstStyle/>
           <a:p>
-            <a:pPr indent="0" marL="0">
+            <a:pPr marL="0" indent="0">
               <a:buNone/>
             </a:pPr>
             <a:r>
@@ -2892,6 +2640,13 @@
           </a:solidFill>
           <a:ln/>
         </p:spPr>
+        <p:txBody>
+          <a:bodyPr/>
+          <a:lstStyle/>
+          <a:p>
+            <a:endParaRPr lang="en-KW"/>
+          </a:p>
+        </p:txBody>
       </p:sp>
       <p:sp>
         <p:nvSpPr>
@@ -2914,7 +2669,7 @@
           <a:bodyPr wrap="square" rtlCol="0" anchor="ctr"/>
           <a:lstStyle/>
           <a:p>
-            <a:pPr indent="0" marL="0">
+            <a:pPr marL="0" indent="0">
               <a:buNone/>
             </a:pPr>
             <a:r>
@@ -2950,7 +2705,7 @@
           <a:bodyPr wrap="square" rtlCol="0" anchor="ctr"/>
           <a:lstStyle/>
           <a:p>
-            <a:pPr indent="0" marL="0">
+            <a:pPr marL="0" indent="0">
               <a:buNone/>
             </a:pPr>
             <a:r>
@@ -2989,7 +2744,7 @@
           <a:bodyPr wrap="square" rtlCol="0" anchor="ctr"/>
           <a:lstStyle/>
           <a:p>
-            <a:pPr indent="0" marL="0">
+            <a:pPr marL="0" indent="0">
               <a:buNone/>
             </a:pPr>
             <a:r>
@@ -3026,6 +2781,13 @@
           </a:solidFill>
           <a:ln/>
         </p:spPr>
+        <p:txBody>
+          <a:bodyPr/>
+          <a:lstStyle/>
+          <a:p>
+            <a:endParaRPr lang="en-KW"/>
+          </a:p>
+        </p:txBody>
       </p:sp>
       <p:sp>
         <p:nvSpPr>
@@ -3048,7 +2810,7 @@
           <a:bodyPr wrap="square" rtlCol="0" anchor="ctr"/>
           <a:lstStyle/>
           <a:p>
-            <a:pPr indent="0" marL="0">
+            <a:pPr marL="0" indent="0">
               <a:buNone/>
             </a:pPr>
             <a:r>
@@ -3084,7 +2846,7 @@
           <a:bodyPr wrap="square" rtlCol="0" anchor="ctr"/>
           <a:lstStyle/>
           <a:p>
-            <a:pPr indent="0" marL="0">
+            <a:pPr marL="0" indent="0">
               <a:buNone/>
             </a:pPr>
             <a:r>
@@ -3123,7 +2885,7 @@
           <a:bodyPr wrap="square" rtlCol="0" anchor="ctr"/>
           <a:lstStyle/>
           <a:p>
-            <a:pPr indent="0" marL="0">
+            <a:pPr marL="0" indent="0">
               <a:buNone/>
             </a:pPr>
             <a:r>
@@ -3160,6 +2922,13 @@
           </a:solidFill>
           <a:ln/>
         </p:spPr>
+        <p:txBody>
+          <a:bodyPr/>
+          <a:lstStyle/>
+          <a:p>
+            <a:endParaRPr lang="en-KW"/>
+          </a:p>
+        </p:txBody>
       </p:sp>
       <p:sp>
         <p:nvSpPr>
@@ -3182,7 +2951,7 @@
           <a:bodyPr wrap="square" rtlCol="0" anchor="ctr"/>
           <a:lstStyle/>
           <a:p>
-            <a:pPr indent="0" marL="0">
+            <a:pPr marL="0" indent="0">
               <a:buNone/>
             </a:pPr>
             <a:r>
@@ -3218,7 +2987,7 @@
           <a:bodyPr wrap="square" rtlCol="0" anchor="ctr"/>
           <a:lstStyle/>
           <a:p>
-            <a:pPr indent="0" marL="0">
+            <a:pPr marL="0" indent="0">
               <a:buNone/>
             </a:pPr>
             <a:r>
@@ -3257,7 +3026,7 @@
           <a:bodyPr wrap="square" rtlCol="0" anchor="ctr"/>
           <a:lstStyle/>
           <a:p>
-            <a:pPr indent="0" marL="0">
+            <a:pPr marL="0" indent="0">
               <a:buNone/>
             </a:pPr>
             <a:r>
@@ -3296,7 +3065,7 @@
           <a:bodyPr wrap="square" rtlCol="0" anchor="ctr"/>
           <a:lstStyle/>
           <a:p>
-            <a:pPr algn="ctr" indent="0" marL="0">
+            <a:pPr marL="0" indent="0" algn="ctr">
               <a:buNone/>
             </a:pPr>
             <a:r>
@@ -3327,6 +3096,7 @@
         <a:solidFill>
           <a:srgbClr val="1E3A8A"/>
         </a:solidFill>
+        <a:effectLst/>
       </p:bgPr>
     </p:bg>
     <p:spTree>
@@ -3364,7 +3134,7 @@
           <a:bodyPr wrap="square" rtlCol="0" anchor="ctr"/>
           <a:lstStyle/>
           <a:p>
-            <a:pPr algn="ctr" indent="0" marL="0">
+            <a:pPr marL="0" indent="0" algn="ctr">
               <a:buNone/>
             </a:pPr>
             <a:r>
@@ -3381,127 +3151,7 @@
       </p:sp>
       <p:pic>
         <p:nvPicPr>
-          <p:cNvPr id="3" name="Image 0" descr="preencoded.png">    </p:cNvPr>
-          <p:cNvPicPr>
-            <a:picLocks noChangeAspect="1"/>
-          </p:cNvPicPr>
-          <p:nvPr/>
-        </p:nvPicPr>
-        <p:blipFill>
-          <a:blip r:embed="rId1"/>
-          <a:stretch>
-            <a:fillRect/>
-          </a:stretch>
-        </p:blipFill>
-        <p:spPr>
-          <a:xfrm>
-            <a:off x="1828800" y="1737360"/>
-            <a:ext cx="274320" cy="274320"/>
-          </a:xfrm>
-          <a:prstGeom prst="rect">
-            <a:avLst/>
-          </a:prstGeom>
-        </p:spPr>
-      </p:pic>
-      <p:sp>
-        <p:nvSpPr>
-          <p:cNvPr id="4" name="Text 1"/>
-          <p:cNvSpPr/>
-          <p:nvPr/>
-        </p:nvSpPr>
-        <p:spPr>
-          <a:xfrm>
-            <a:off x="2194560" y="1737360"/>
-            <a:ext cx="5120640" cy="274320"/>
-          </a:xfrm>
-          <a:prstGeom prst="rect">
-            <a:avLst/>
-          </a:prstGeom>
-          <a:noFill/>
-          <a:ln/>
-        </p:spPr>
-        <p:txBody>
-          <a:bodyPr wrap="square" rtlCol="0" anchor="ctr"/>
-          <a:lstStyle/>
-          <a:p>
-            <a:pPr indent="0" marL="0">
-              <a:buNone/>
-            </a:pPr>
-            <a:r>
-              <a:rPr lang="en-US" sz="1800" dirty="0">
-                <a:solidFill>
-                  <a:srgbClr val="F1F5F9"/>
-                </a:solidFill>
-              </a:rPr>
-              <a:t>5 data types: int, double, char, bool, string</a:t>
-            </a:r>
-            <a:endParaRPr lang="en-US" sz="1800" dirty="0"/>
-          </a:p>
-        </p:txBody>
-      </p:sp>
-      <p:pic>
-        <p:nvPicPr>
-          <p:cNvPr id="5" name="Image 1" descr="preencoded.png">    </p:cNvPr>
-          <p:cNvPicPr>
-            <a:picLocks noChangeAspect="1"/>
-          </p:cNvPicPr>
-          <p:nvPr/>
-        </p:nvPicPr>
-        <p:blipFill>
-          <a:blip r:embed="rId2"/>
-          <a:stretch>
-            <a:fillRect/>
-          </a:stretch>
-        </p:blipFill>
-        <p:spPr>
-          <a:xfrm>
-            <a:off x="1828800" y="2148840"/>
-            <a:ext cx="274320" cy="274320"/>
-          </a:xfrm>
-          <a:prstGeom prst="rect">
-            <a:avLst/>
-          </a:prstGeom>
-        </p:spPr>
-      </p:pic>
-      <p:sp>
-        <p:nvSpPr>
-          <p:cNvPr id="6" name="Text 2"/>
-          <p:cNvSpPr/>
-          <p:nvPr/>
-        </p:nvSpPr>
-        <p:spPr>
-          <a:xfrm>
-            <a:off x="2194560" y="2148840"/>
-            <a:ext cx="5120640" cy="274320"/>
-          </a:xfrm>
-          <a:prstGeom prst="rect">
-            <a:avLst/>
-          </a:prstGeom>
-          <a:noFill/>
-          <a:ln/>
-        </p:spPr>
-        <p:txBody>
-          <a:bodyPr wrap="square" rtlCol="0" anchor="ctr"/>
-          <a:lstStyle/>
-          <a:p>
-            <a:pPr indent="0" marL="0">
-              <a:buNone/>
-            </a:pPr>
-            <a:r>
-              <a:rPr lang="en-US" sz="1800" dirty="0">
-                <a:solidFill>
-                  <a:srgbClr val="F1F5F9"/>
-                </a:solidFill>
-              </a:rPr>
-              <a:t>How to declare and initialize variables</a:t>
-            </a:r>
-            <a:endParaRPr lang="en-US" sz="1800" dirty="0"/>
-          </a:p>
-        </p:txBody>
-      </p:sp>
-      <p:pic>
-        <p:nvPicPr>
-          <p:cNvPr id="7" name="Image 2" descr="preencoded.png">    </p:cNvPr>
+          <p:cNvPr id="3" name="Image 0" descr="preencoded.png"/>
           <p:cNvPicPr>
             <a:picLocks noChangeAspect="1"/>
           </p:cNvPicPr>
@@ -3515,7 +3165,7 @@
         </p:blipFill>
         <p:spPr>
           <a:xfrm>
-            <a:off x="1828800" y="2560320"/>
+            <a:off x="1828800" y="1737360"/>
             <a:ext cx="274320" cy="274320"/>
           </a:xfrm>
           <a:prstGeom prst="rect">
@@ -3525,13 +3175,13 @@
       </p:pic>
       <p:sp>
         <p:nvSpPr>
-          <p:cNvPr id="8" name="Text 3"/>
-          <p:cNvSpPr/>
-          <p:nvPr/>
-        </p:nvSpPr>
-        <p:spPr>
-          <a:xfrm>
-            <a:off x="2194560" y="2560320"/>
+          <p:cNvPr id="4" name="Text 1"/>
+          <p:cNvSpPr/>
+          <p:nvPr/>
+        </p:nvSpPr>
+        <p:spPr>
+          <a:xfrm>
+            <a:off x="2194560" y="1737360"/>
             <a:ext cx="5120640" cy="274320"/>
           </a:xfrm>
           <a:prstGeom prst="rect">
@@ -3544,7 +3194,7 @@
           <a:bodyPr wrap="square" rtlCol="0" anchor="ctr"/>
           <a:lstStyle/>
           <a:p>
-            <a:pPr indent="0" marL="0">
+            <a:pPr marL="0" indent="0">
               <a:buNone/>
             </a:pPr>
             <a:r>
@@ -3553,7 +3203,7 @@
                   <a:srgbClr val="F1F5F9"/>
                 </a:solidFill>
               </a:rPr>
-              <a:t>Getting user input with cin</a:t>
+              <a:t>5 data types: int, double, char, bool, string</a:t>
             </a:r>
             <a:endParaRPr lang="en-US" sz="1800" dirty="0"/>
           </a:p>
@@ -3561,21 +3211,21 @@
       </p:sp>
       <p:pic>
         <p:nvPicPr>
-          <p:cNvPr id="9" name="Image 3" descr="preencoded.png">    </p:cNvPr>
+          <p:cNvPr id="5" name="Image 1" descr="preencoded.png"/>
           <p:cNvPicPr>
             <a:picLocks noChangeAspect="1"/>
           </p:cNvPicPr>
           <p:nvPr/>
         </p:nvPicPr>
         <p:blipFill>
-          <a:blip r:embed="rId4"/>
+          <a:blip r:embed="rId3"/>
           <a:stretch>
             <a:fillRect/>
           </a:stretch>
         </p:blipFill>
         <p:spPr>
           <a:xfrm>
-            <a:off x="1828800" y="2971800"/>
+            <a:off x="1828800" y="2148840"/>
             <a:ext cx="274320" cy="274320"/>
           </a:xfrm>
           <a:prstGeom prst="rect">
@@ -3585,13 +3235,13 @@
       </p:pic>
       <p:sp>
         <p:nvSpPr>
-          <p:cNvPr id="10" name="Text 4"/>
-          <p:cNvSpPr/>
-          <p:nvPr/>
-        </p:nvSpPr>
-        <p:spPr>
-          <a:xfrm>
-            <a:off x="2194560" y="2971800"/>
+          <p:cNvPr id="6" name="Text 2"/>
+          <p:cNvSpPr/>
+          <p:nvPr/>
+        </p:nvSpPr>
+        <p:spPr>
+          <a:xfrm>
+            <a:off x="2194560" y="2148840"/>
             <a:ext cx="5120640" cy="274320"/>
           </a:xfrm>
           <a:prstGeom prst="rect">
@@ -3604,7 +3254,7 @@
           <a:bodyPr wrap="square" rtlCol="0" anchor="ctr"/>
           <a:lstStyle/>
           <a:p>
-            <a:pPr indent="0" marL="0">
+            <a:pPr marL="0" indent="0">
               <a:buNone/>
             </a:pPr>
             <a:r>
@@ -3613,7 +3263,7 @@
                   <a:srgbClr val="F1F5F9"/>
                 </a:solidFill>
               </a:rPr>
-              <a:t>The auto keyword for convenience</a:t>
+              <a:t>How to declare and initialize variables</a:t>
             </a:r>
             <a:endParaRPr lang="en-US" sz="1800" dirty="0"/>
           </a:p>
@@ -3621,20 +3271,140 @@
       </p:sp>
       <p:pic>
         <p:nvPicPr>
-          <p:cNvPr id="11" name="Image 4" descr="preencoded.png">    </p:cNvPr>
+          <p:cNvPr id="7" name="Image 2" descr="preencoded.png"/>
           <p:cNvPicPr>
             <a:picLocks noChangeAspect="1"/>
           </p:cNvPicPr>
           <p:nvPr/>
         </p:nvPicPr>
         <p:blipFill>
-          <a:blip r:embed="rId5"/>
+          <a:blip r:embed="rId3"/>
           <a:stretch>
             <a:fillRect/>
           </a:stretch>
         </p:blipFill>
         <p:spPr>
           <a:xfrm>
+            <a:off x="1828800" y="2560320"/>
+            <a:ext cx="274320" cy="274320"/>
+          </a:xfrm>
+          <a:prstGeom prst="rect">
+            <a:avLst/>
+          </a:prstGeom>
+        </p:spPr>
+      </p:pic>
+      <p:sp>
+        <p:nvSpPr>
+          <p:cNvPr id="8" name="Text 3"/>
+          <p:cNvSpPr/>
+          <p:nvPr/>
+        </p:nvSpPr>
+        <p:spPr>
+          <a:xfrm>
+            <a:off x="2194560" y="2560320"/>
+            <a:ext cx="5120640" cy="274320"/>
+          </a:xfrm>
+          <a:prstGeom prst="rect">
+            <a:avLst/>
+          </a:prstGeom>
+          <a:noFill/>
+          <a:ln/>
+        </p:spPr>
+        <p:txBody>
+          <a:bodyPr wrap="square" rtlCol="0" anchor="ctr"/>
+          <a:lstStyle/>
+          <a:p>
+            <a:pPr marL="0" indent="0">
+              <a:buNone/>
+            </a:pPr>
+            <a:r>
+              <a:rPr lang="en-US" sz="1800" dirty="0">
+                <a:solidFill>
+                  <a:srgbClr val="F1F5F9"/>
+                </a:solidFill>
+              </a:rPr>
+              <a:t>Getting user input with cin</a:t>
+            </a:r>
+            <a:endParaRPr lang="en-US" sz="1800" dirty="0"/>
+          </a:p>
+        </p:txBody>
+      </p:sp>
+      <p:pic>
+        <p:nvPicPr>
+          <p:cNvPr id="9" name="Image 3" descr="preencoded.png"/>
+          <p:cNvPicPr>
+            <a:picLocks noChangeAspect="1"/>
+          </p:cNvPicPr>
+          <p:nvPr/>
+        </p:nvPicPr>
+        <p:blipFill>
+          <a:blip r:embed="rId3"/>
+          <a:stretch>
+            <a:fillRect/>
+          </a:stretch>
+        </p:blipFill>
+        <p:spPr>
+          <a:xfrm>
+            <a:off x="1828800" y="2971800"/>
+            <a:ext cx="274320" cy="274320"/>
+          </a:xfrm>
+          <a:prstGeom prst="rect">
+            <a:avLst/>
+          </a:prstGeom>
+        </p:spPr>
+      </p:pic>
+      <p:sp>
+        <p:nvSpPr>
+          <p:cNvPr id="10" name="Text 4"/>
+          <p:cNvSpPr/>
+          <p:nvPr/>
+        </p:nvSpPr>
+        <p:spPr>
+          <a:xfrm>
+            <a:off x="2194560" y="2971800"/>
+            <a:ext cx="5120640" cy="274320"/>
+          </a:xfrm>
+          <a:prstGeom prst="rect">
+            <a:avLst/>
+          </a:prstGeom>
+          <a:noFill/>
+          <a:ln/>
+        </p:spPr>
+        <p:txBody>
+          <a:bodyPr wrap="square" rtlCol="0" anchor="ctr"/>
+          <a:lstStyle/>
+          <a:p>
+            <a:pPr marL="0" indent="0">
+              <a:buNone/>
+            </a:pPr>
+            <a:r>
+              <a:rPr lang="en-US" sz="1800" dirty="0">
+                <a:solidFill>
+                  <a:srgbClr val="F1F5F9"/>
+                </a:solidFill>
+              </a:rPr>
+              <a:t>The auto keyword for convenience</a:t>
+            </a:r>
+            <a:endParaRPr lang="en-US" sz="1800" dirty="0"/>
+          </a:p>
+        </p:txBody>
+      </p:sp>
+      <p:pic>
+        <p:nvPicPr>
+          <p:cNvPr id="11" name="Image 4" descr="preencoded.png"/>
+          <p:cNvPicPr>
+            <a:picLocks noChangeAspect="1"/>
+          </p:cNvPicPr>
+          <p:nvPr/>
+        </p:nvPicPr>
+        <p:blipFill>
+          <a:blip r:embed="rId3"/>
+          <a:stretch>
+            <a:fillRect/>
+          </a:stretch>
+        </p:blipFill>
+        <p:spPr>
+          <a:xfrm>
             <a:off x="1828800" y="3383280"/>
             <a:ext cx="274320" cy="274320"/>
           </a:xfrm>
@@ -3664,7 +3434,7 @@
           <a:bodyPr wrap="square" rtlCol="0" anchor="ctr"/>
           <a:lstStyle/>
           <a:p>
-            <a:pPr indent="0" marL="0">
+            <a:pPr marL="0" indent="0">
               <a:buNone/>
             </a:pPr>
             <a:r>
@@ -3700,7 +3470,7 @@
           <a:bodyPr wrap="square" rtlCol="0" anchor="ctr"/>
           <a:lstStyle/>
           <a:p>
-            <a:pPr algn="ctr" indent="0" marL="0">
+            <a:pPr marL="0" indent="0" algn="ctr">
               <a:buNone/>
             </a:pPr>
             <a:r>
@@ -3731,6 +3501,7 @@
         <a:solidFill>
           <a:srgbClr val="0891B2"/>
         </a:solidFill>
+        <a:effectLst/>
       </p:bgPr>
     </p:bg>
     <p:spTree>
@@ -3749,14 +3520,14 @@
       </p:grpSpPr>
       <p:pic>
         <p:nvPicPr>
-          <p:cNvPr id="2" name="Image 0" descr="preencoded.png">    </p:cNvPr>
+          <p:cNvPr id="2" name="Image 0" descr="preencoded.png"/>
           <p:cNvPicPr>
             <a:picLocks noChangeAspect="1"/>
           </p:cNvPicPr>
           <p:nvPr/>
         </p:nvPicPr>
         <p:blipFill>
-          <a:blip r:embed="rId1"/>
+          <a:blip r:embed="rId3"/>
           <a:stretch>
             <a:fillRect/>
           </a:stretch>
@@ -3792,7 +3563,7 @@
           <a:bodyPr wrap="square" rtlCol="0" anchor="ctr"/>
           <a:lstStyle/>
           <a:p>
-            <a:pPr algn="ctr" indent="0" marL="0">
+            <a:pPr marL="0" indent="0" algn="ctr">
               <a:buNone/>
             </a:pPr>
             <a:r>
@@ -3828,7 +3599,7 @@
           <a:bodyPr wrap="square" rtlCol="0" anchor="ctr"/>
           <a:lstStyle/>
           <a:p>
-            <a:pPr algn="ctr" indent="0" marL="0">
+            <a:pPr marL="0" indent="0" algn="ctr">
               <a:buNone/>
             </a:pPr>
             <a:r>
@@ -3859,6 +3630,7 @@
         <a:solidFill>
           <a:srgbClr val="F1F5F9"/>
         </a:solidFill>
+        <a:effectLst/>
       </p:bgPr>
     </p:bg>
     <p:spTree>
@@ -3896,7 +3668,7 @@
           <a:bodyPr wrap="square" rtlCol="0" anchor="ctr"/>
           <a:lstStyle/>
           <a:p>
-            <a:pPr indent="0" marL="0">
+            <a:pPr marL="0" indent="0">
               <a:buNone/>
             </a:pPr>
             <a:r>
@@ -3932,6 +3704,13 @@
           </a:solidFill>
           <a:ln/>
         </p:spPr>
+        <p:txBody>
+          <a:bodyPr/>
+          <a:lstStyle/>
+          <a:p>
+            <a:endParaRPr lang="en-KW"/>
+          </a:p>
+        </p:txBody>
       </p:sp>
       <p:sp>
         <p:nvSpPr>
@@ -3954,7 +3733,7 @@
           <a:bodyPr wrap="square" rtlCol="0" anchor="ctr"/>
           <a:lstStyle/>
           <a:p>
-            <a:pPr algn="ctr" indent="0" marL="0">
+            <a:pPr marL="0" indent="0" algn="ctr">
               <a:buNone/>
             </a:pPr>
             <a:r>
@@ -3988,6 +3767,13 @@
           </a:solidFill>
           <a:ln/>
         </p:spPr>
+        <p:txBody>
+          <a:bodyPr/>
+          <a:lstStyle/>
+          <a:p>
+            <a:endParaRPr lang="en-KW"/>
+          </a:p>
+        </p:txBody>
       </p:sp>
       <p:sp>
         <p:nvSpPr>
@@ -4008,6 +3794,13 @@
           </a:solidFill>
           <a:ln/>
         </p:spPr>
+        <p:txBody>
+          <a:bodyPr/>
+          <a:lstStyle/>
+          <a:p>
+            <a:endParaRPr lang="en-KW"/>
+          </a:p>
+        </p:txBody>
       </p:sp>
       <p:sp>
         <p:nvSpPr>
@@ -4030,7 +3823,7 @@
           <a:bodyPr wrap="square" rtlCol="0" anchor="ctr"/>
           <a:lstStyle/>
           <a:p>
-            <a:pPr algn="ctr" indent="0" marL="0">
+            <a:pPr marL="0" indent="0" algn="ctr">
               <a:buNone/>
             </a:pPr>
             <a:r>
@@ -4066,7 +3859,7 @@
           <a:bodyPr wrap="square" rtlCol="0" anchor="ctr"/>
           <a:lstStyle/>
           <a:p>
-            <a:pPr indent="0" marL="0">
+            <a:pPr marL="0" indent="0">
               <a:buNone/>
             </a:pPr>
             <a:r>
@@ -4080,9 +3873,6 @@
               </a:rPr>
               <a:t>x = </a:t>
             </a:r>
-            <a:pPr indent="0" marL="0">
-              <a:buNone/>
-            </a:pPr>
             <a:r>
               <a:rPr lang="en-US" sz="1300" dirty="0">
                 <a:solidFill>
@@ -4097,7 +3887,7 @@
             <a:endParaRPr lang="en-US" sz="1300" dirty="0"/>
           </a:p>
           <a:p>
-            <a:pPr indent="0" marL="0">
+            <a:pPr marL="0" indent="0">
               <a:buNone/>
             </a:pPr>
             <a:r>
@@ -4111,9 +3901,6 @@
               </a:rPr>
               <a:t>x = </a:t>
             </a:r>
-            <a:pPr indent="0" marL="0">
-              <a:buNone/>
-            </a:pPr>
             <a:r>
               <a:rPr lang="en-US" sz="1300" dirty="0">
                 <a:solidFill>
@@ -4128,7 +3915,7 @@
             <a:endParaRPr lang="en-US" sz="1300" dirty="0"/>
           </a:p>
           <a:p>
-            <a:pPr indent="0" marL="0">
+            <a:pPr marL="0" indent="0">
               <a:buNone/>
             </a:pPr>
             <a:r>
@@ -4165,6 +3952,13 @@
           </a:solidFill>
           <a:ln/>
         </p:spPr>
+        <p:txBody>
+          <a:bodyPr/>
+          <a:lstStyle/>
+          <a:p>
+            <a:endParaRPr lang="en-KW"/>
+          </a:p>
+        </p:txBody>
       </p:sp>
       <p:sp>
         <p:nvSpPr>
@@ -4185,6 +3979,13 @@
           </a:solidFill>
           <a:ln/>
         </p:spPr>
+        <p:txBody>
+          <a:bodyPr/>
+          <a:lstStyle/>
+          <a:p>
+            <a:endParaRPr lang="en-KW"/>
+          </a:p>
+        </p:txBody>
       </p:sp>
       <p:sp>
         <p:nvSpPr>
@@ -4207,7 +4008,7 @@
           <a:bodyPr wrap="square" rtlCol="0" anchor="ctr"/>
           <a:lstStyle/>
           <a:p>
-            <a:pPr algn="ctr" indent="0" marL="0">
+            <a:pPr marL="0" indent="0" algn="ctr">
               <a:buNone/>
             </a:pPr>
             <a:r>
@@ -4243,7 +4044,7 @@
           <a:bodyPr wrap="square" rtlCol="0" anchor="ctr"/>
           <a:lstStyle/>
           <a:p>
-            <a:pPr indent="0" marL="0">
+            <a:pPr marL="0" indent="0">
               <a:buNone/>
             </a:pPr>
             <a:r>
@@ -4257,9 +4058,6 @@
               </a:rPr>
               <a:t>int</a:t>
             </a:r>
-            <a:pPr indent="0" marL="0">
-              <a:buNone/>
-            </a:pPr>
             <a:r>
               <a:rPr lang="en-US" sz="1300" dirty="0">
                 <a:solidFill>
@@ -4271,9 +4069,6 @@
               </a:rPr>
               <a:t> x = </a:t>
             </a:r>
-            <a:pPr indent="0" marL="0">
-              <a:buNone/>
-            </a:pPr>
             <a:r>
               <a:rPr lang="en-US" sz="1300" dirty="0">
                 <a:solidFill>
@@ -4283,12 +4078,12 @@
                 <a:ea typeface="Consolas" pitchFamily="34" charset="-122"/>
                 <a:cs typeface="Consolas" pitchFamily="34" charset="-120"/>
               </a:rPr>
-              <a:t>5</a:t>
+              <a:t>5;</a:t>
             </a:r>
             <a:endParaRPr lang="en-US" sz="1300" dirty="0"/>
           </a:p>
           <a:p>
-            <a:pPr indent="0" marL="0">
+            <a:pPr marL="0" indent="0">
               <a:buNone/>
             </a:pPr>
             <a:r>
@@ -4302,9 +4097,6 @@
               </a:rPr>
               <a:t>x = </a:t>
             </a:r>
-            <a:pPr indent="0" marL="0">
-              <a:buNone/>
-            </a:pPr>
             <a:r>
               <a:rPr lang="en-US" sz="1300" dirty="0">
                 <a:solidFill>
@@ -4314,12 +4106,12 @@
                 <a:ea typeface="Consolas" pitchFamily="34" charset="-122"/>
                 <a:cs typeface="Consolas" pitchFamily="34" charset="-120"/>
               </a:rPr>
-              <a:t>"hello"</a:t>
+              <a:t>"hello”;</a:t>
             </a:r>
             <a:endParaRPr lang="en-US" sz="1300" dirty="0"/>
           </a:p>
           <a:p>
-            <a:pPr indent="0" marL="0">
+            <a:pPr marL="0" indent="0">
               <a:buNone/>
             </a:pPr>
             <a:r>
@@ -4358,7 +4150,7 @@
           <a:bodyPr wrap="square" rtlCol="0" anchor="ctr"/>
           <a:lstStyle/>
           <a:p>
-            <a:pPr indent="0" marL="0">
+            <a:pPr marL="0" indent="0">
               <a:buNone/>
             </a:pPr>
             <a:r>
@@ -4394,7 +4186,7 @@
           <a:bodyPr wrap="square" rtlCol="0" anchor="ctr"/>
           <a:lstStyle/>
           <a:p>
-            <a:pPr algn="ctr" indent="0" marL="0">
+            <a:pPr marL="0" indent="0" algn="ctr">
               <a:buNone/>
             </a:pPr>
             <a:r>
@@ -4425,6 +4217,7 @@
         <a:solidFill>
           <a:srgbClr val="F1F5F9"/>
         </a:solidFill>
+        <a:effectLst/>
       </p:bgPr>
     </p:bg>
     <p:spTree>
@@ -4462,7 +4255,7 @@
           <a:bodyPr wrap="square" rtlCol="0" anchor="ctr"/>
           <a:lstStyle/>
           <a:p>
-            <a:pPr indent="0" marL="0">
+            <a:pPr marL="0" indent="0">
               <a:buNone/>
             </a:pPr>
             <a:r>
@@ -4486,7 +4279,7 @@
           <p:nvPr>
             <p:extLst>
               <p:ext uri="{D42A27DB-BD31-4B8C-83A1-F6EECF244321}">
-                <p14:modId xmlns:p14="http://schemas.microsoft.com/office/powerpoint/2010/main" val="1579011935"/>
+                <p14:modId xmlns:p14="http://schemas.microsoft.com/office/powerpoint/2010/main" val="3492204793"/>
               </p:ext>
             </p:extLst>
           </p:nvPr>
@@ -4500,9 +4293,27 @@
             <a:tbl>
               <a:tblPr/>
               <a:tblGrid>
-                <a:gridCol w="2743200"/>
-                <a:gridCol w="2743200"/>
-                <a:gridCol w="2743200"/>
+                <a:gridCol w="2743200">
+                  <a:extLst>
+                    <a:ext uri="{9D8B030D-6E8A-4147-A177-3AD203B41FA5}">
+                      <a16:colId xmlns:a16="http://schemas.microsoft.com/office/drawing/2014/main" val="20000"/>
+                    </a:ext>
+                  </a:extLst>
+                </a:gridCol>
+                <a:gridCol w="2889504">
+                  <a:extLst>
+                    <a:ext uri="{9D8B030D-6E8A-4147-A177-3AD203B41FA5}">
+                      <a16:colId xmlns:a16="http://schemas.microsoft.com/office/drawing/2014/main" val="20001"/>
+                    </a:ext>
+                  </a:extLst>
+                </a:gridCol>
+                <a:gridCol w="2596896">
+                  <a:extLst>
+                    <a:ext uri="{9D8B030D-6E8A-4147-A177-3AD203B41FA5}">
+                      <a16:colId xmlns:a16="http://schemas.microsoft.com/office/drawing/2014/main" val="20002"/>
+                    </a:ext>
+                  </a:extLst>
+                </a:gridCol>
               </a:tblGrid>
               <a:tr h="426720">
                 <a:tc>
@@ -4510,7 +4321,7 @@
                     <a:bodyPr/>
                     <a:lstStyle/>
                     <a:p>
-                      <a:pPr algn="l" indent="0" marL="0">
+                      <a:pPr marL="0" indent="0" algn="l">
                         <a:buNone/>
                       </a:pPr>
                       <a:r>
@@ -4524,7 +4335,7 @@
                       <a:endParaRPr lang="en-US" sz="1600" dirty="0"/>
                     </a:p>
                   </a:txBody>
-                  <a:tcPr marL="91440" marR="91440" marT="45720" marB="45720" anchor="ctr">
+                  <a:tcPr anchor="ctr">
                     <a:lnL w="12700" cap="flat" cmpd="sng" algn="ctr">
                       <a:solidFill>
                         <a:srgbClr val="64748B"/>
@@ -4571,7 +4382,7 @@
                     <a:bodyPr/>
                     <a:lstStyle/>
                     <a:p>
-                      <a:pPr algn="l" indent="0" marL="0">
+                      <a:pPr marL="0" indent="0" algn="l">
                         <a:buNone/>
                       </a:pPr>
                       <a:r>
@@ -4585,7 +4396,7 @@
                       <a:endParaRPr lang="en-US" sz="1600" dirty="0"/>
                     </a:p>
                   </a:txBody>
-                  <a:tcPr marL="91440" marR="91440" marT="45720" marB="45720" anchor="ctr">
+                  <a:tcPr anchor="ctr">
                     <a:lnL w="12700" cap="flat" cmpd="sng" algn="ctr">
                       <a:solidFill>
                         <a:srgbClr val="64748B"/>
@@ -4632,7 +4443,7 @@
                     <a:bodyPr/>
                     <a:lstStyle/>
                     <a:p>
-                      <a:pPr algn="l" indent="0" marL="0">
+                      <a:pPr marL="0" indent="0" algn="l">
                         <a:buNone/>
                       </a:pPr>
                       <a:r>
@@ -4646,7 +4457,7 @@
                       <a:endParaRPr lang="en-US" sz="1600" dirty="0"/>
                     </a:p>
                   </a:txBody>
-                  <a:tcPr marL="91440" marR="91440" marT="45720" marB="45720" anchor="ctr">
+                  <a:tcPr anchor="ctr">
                     <a:lnL w="12700" cap="flat" cmpd="sng" algn="ctr">
                       <a:solidFill>
                         <a:srgbClr val="64748B"/>
@@ -4688,6 +4499,11 @@
                     </a:solidFill>
                   </a:tcPr>
                 </a:tc>
+                <a:extLst>
+                  <a:ext uri="{0D108BD9-81ED-4DB2-BD59-A6C34878D82A}">
+                    <a16:rowId xmlns:a16="http://schemas.microsoft.com/office/drawing/2014/main" val="10000"/>
+                  </a:ext>
+                </a:extLst>
               </a:tr>
               <a:tr h="426720">
                 <a:tc>
@@ -4695,7 +4511,7 @@
                     <a:bodyPr/>
                     <a:lstStyle/>
                     <a:p>
-                      <a:pPr algn="l" indent="0" marL="0">
+                      <a:pPr marL="0" indent="0" algn="l">
                         <a:buNone/>
                       </a:pPr>
                       <a:r>
@@ -4709,7 +4525,7 @@
                       <a:endParaRPr lang="en-US" sz="1600" dirty="0"/>
                     </a:p>
                   </a:txBody>
-                  <a:tcPr marL="91440" marR="91440" marT="45720" marB="45720" anchor="ctr">
+                  <a:tcPr anchor="ctr">
                     <a:lnL w="12700" cap="flat" cmpd="sng" algn="ctr">
                       <a:solidFill>
                         <a:srgbClr val="64748B"/>
@@ -4753,7 +4569,7 @@
                     <a:bodyPr/>
                     <a:lstStyle/>
                     <a:p>
-                      <a:pPr algn="l" indent="0" marL="0">
+                      <a:pPr marL="0" indent="0" algn="l">
                         <a:buNone/>
                       </a:pPr>
                       <a:r>
@@ -4767,7 +4583,7 @@
                       <a:endParaRPr lang="en-US" sz="1600" dirty="0"/>
                     </a:p>
                   </a:txBody>
-                  <a:tcPr marL="91440" marR="91440" marT="45720" marB="45720" anchor="ctr">
+                  <a:tcPr anchor="ctr">
                     <a:lnL w="12700" cap="flat" cmpd="sng" algn="ctr">
                       <a:solidFill>
                         <a:srgbClr val="64748B"/>
@@ -4811,7 +4627,7 @@
                     <a:bodyPr/>
                     <a:lstStyle/>
                     <a:p>
-                      <a:pPr algn="l" indent="0" marL="0">
+                      <a:pPr marL="0" indent="0" algn="l">
                         <a:buNone/>
                       </a:pPr>
                       <a:r>
@@ -4825,7 +4641,7 @@
                       <a:endParaRPr lang="en-US" sz="1600" dirty="0"/>
                     </a:p>
                   </a:txBody>
-                  <a:tcPr marL="91440" marR="91440" marT="45720" marB="45720" anchor="ctr">
+                  <a:tcPr anchor="ctr">
                     <a:lnL w="12700" cap="flat" cmpd="sng" algn="ctr">
                       <a:solidFill>
                         <a:srgbClr val="64748B"/>
@@ -4864,6 +4680,11 @@
                     </a:lnB>
                   </a:tcPr>
                 </a:tc>
+                <a:extLst>
+                  <a:ext uri="{0D108BD9-81ED-4DB2-BD59-A6C34878D82A}">
+                    <a16:rowId xmlns:a16="http://schemas.microsoft.com/office/drawing/2014/main" val="10001"/>
+                  </a:ext>
+                </a:extLst>
               </a:tr>
               <a:tr h="426720">
                 <a:tc>
@@ -4871,7 +4692,7 @@
                     <a:bodyPr/>
                     <a:lstStyle/>
                     <a:p>
-                      <a:pPr algn="l" indent="0" marL="0">
+                      <a:pPr marL="0" indent="0" algn="l">
                         <a:buNone/>
                       </a:pPr>
                       <a:r>
@@ -4885,7 +4706,7 @@
                       <a:endParaRPr lang="en-US" sz="1600" dirty="0"/>
                     </a:p>
                   </a:txBody>
-                  <a:tcPr marL="91440" marR="91440" marT="45720" marB="45720" anchor="ctr">
+                  <a:tcPr anchor="ctr">
                     <a:lnL w="12700" cap="flat" cmpd="sng" algn="ctr">
                       <a:solidFill>
                         <a:srgbClr val="64748B"/>
@@ -4929,7 +4750,7 @@
                     <a:bodyPr/>
                     <a:lstStyle/>
                     <a:p>
-                      <a:pPr algn="l" indent="0" marL="0">
+                      <a:pPr marL="0" indent="0" algn="l">
                         <a:buNone/>
                       </a:pPr>
                       <a:r>
@@ -4943,7 +4764,7 @@
                       <a:endParaRPr lang="en-US" sz="1600" dirty="0"/>
                     </a:p>
                   </a:txBody>
-                  <a:tcPr marL="91440" marR="91440" marT="45720" marB="45720" anchor="ctr">
+                  <a:tcPr anchor="ctr">
                     <a:lnL w="12700" cap="flat" cmpd="sng" algn="ctr">
                       <a:solidFill>
                         <a:srgbClr val="64748B"/>
@@ -4987,7 +4808,7 @@
                     <a:bodyPr/>
                     <a:lstStyle/>
                     <a:p>
-                      <a:pPr algn="l" indent="0" marL="0">
+                      <a:pPr marL="0" indent="0" algn="l">
                         <a:buNone/>
                       </a:pPr>
                       <a:r>
@@ -5001,7 +4822,7 @@
                       <a:endParaRPr lang="en-US" sz="1600" dirty="0"/>
                     </a:p>
                   </a:txBody>
-                  <a:tcPr marL="91440" marR="91440" marT="45720" marB="45720" anchor="ctr">
+                  <a:tcPr anchor="ctr">
                     <a:lnL w="12700" cap="flat" cmpd="sng" algn="ctr">
                       <a:solidFill>
                         <a:srgbClr val="64748B"/>
@@ -5040,6 +4861,11 @@
                     </a:lnB>
                   </a:tcPr>
                 </a:tc>
+                <a:extLst>
+                  <a:ext uri="{0D108BD9-81ED-4DB2-BD59-A6C34878D82A}">
+                    <a16:rowId xmlns:a16="http://schemas.microsoft.com/office/drawing/2014/main" val="10002"/>
+                  </a:ext>
+                </a:extLst>
               </a:tr>
               <a:tr h="426720">
                 <a:tc>
@@ -5047,7 +4873,7 @@
                     <a:bodyPr/>
                     <a:lstStyle/>
                     <a:p>
-                      <a:pPr algn="l" indent="0" marL="0">
+                      <a:pPr marL="0" indent="0" algn="l">
                         <a:buNone/>
                       </a:pPr>
                       <a:r>
@@ -5061,7 +4887,7 @@
                       <a:endParaRPr lang="en-US" sz="1600" dirty="0"/>
                     </a:p>
                   </a:txBody>
-                  <a:tcPr marL="91440" marR="91440" marT="45720" marB="45720" anchor="ctr">
+                  <a:tcPr anchor="ctr">
                     <a:lnL w="12700" cap="flat" cmpd="sng" algn="ctr">
                       <a:solidFill>
                         <a:srgbClr val="64748B"/>
@@ -5105,7 +4931,7 @@
                     <a:bodyPr/>
                     <a:lstStyle/>
                     <a:p>
-                      <a:pPr algn="l" indent="0" marL="0">
+                      <a:pPr marL="0" indent="0" algn="l">
                         <a:buNone/>
                       </a:pPr>
                       <a:r>
@@ -5119,7 +4945,7 @@
                       <a:endParaRPr lang="en-US" sz="1600" dirty="0"/>
                     </a:p>
                   </a:txBody>
-                  <a:tcPr marL="91440" marR="91440" marT="45720" marB="45720" anchor="ctr">
+                  <a:tcPr anchor="ctr">
                     <a:lnL w="12700" cap="flat" cmpd="sng" algn="ctr">
                       <a:solidFill>
                         <a:srgbClr val="64748B"/>
@@ -5163,7 +4989,7 @@
                     <a:bodyPr/>
                     <a:lstStyle/>
                     <a:p>
-                      <a:pPr algn="l" indent="0" marL="0">
+                      <a:pPr marL="0" indent="0" algn="l">
                         <a:buNone/>
                       </a:pPr>
                       <a:r>
@@ -5177,7 +5003,7 @@
                       <a:endParaRPr lang="en-US" sz="1600" dirty="0"/>
                     </a:p>
                   </a:txBody>
-                  <a:tcPr marL="91440" marR="91440" marT="45720" marB="45720" anchor="ctr">
+                  <a:tcPr anchor="ctr">
                     <a:lnL w="12700" cap="flat" cmpd="sng" algn="ctr">
                       <a:solidFill>
                         <a:srgbClr val="64748B"/>
@@ -5216,6 +5042,11 @@
                     </a:lnB>
                   </a:tcPr>
                 </a:tc>
+                <a:extLst>
+                  <a:ext uri="{0D108BD9-81ED-4DB2-BD59-A6C34878D82A}">
+                    <a16:rowId xmlns:a16="http://schemas.microsoft.com/office/drawing/2014/main" val="10003"/>
+                  </a:ext>
+                </a:extLst>
               </a:tr>
               <a:tr h="426720">
                 <a:tc>
@@ -5223,7 +5054,7 @@
                     <a:bodyPr/>
                     <a:lstStyle/>
                     <a:p>
-                      <a:pPr algn="l" indent="0" marL="0">
+                      <a:pPr marL="0" indent="0" algn="l">
                         <a:buNone/>
                       </a:pPr>
                       <a:r>
@@ -5237,7 +5068,7 @@
                       <a:endParaRPr lang="en-US" sz="1600" dirty="0"/>
                     </a:p>
                   </a:txBody>
-                  <a:tcPr marL="91440" marR="91440" marT="45720" marB="45720" anchor="ctr">
+                  <a:tcPr anchor="ctr">
                     <a:lnL w="12700" cap="flat" cmpd="sng" algn="ctr">
                       <a:solidFill>
                         <a:srgbClr val="64748B"/>
@@ -5281,7 +5112,7 @@
                     <a:bodyPr/>
                     <a:lstStyle/>
                     <a:p>
-                      <a:pPr algn="l" indent="0" marL="0">
+                      <a:pPr marL="0" indent="0" algn="l">
                         <a:buNone/>
                       </a:pPr>
                       <a:r>
@@ -5295,7 +5126,7 @@
                       <a:endParaRPr lang="en-US" sz="1600" dirty="0"/>
                     </a:p>
                   </a:txBody>
-                  <a:tcPr marL="91440" marR="91440" marT="45720" marB="45720" anchor="ctr">
+                  <a:tcPr anchor="ctr">
                     <a:lnL w="12700" cap="flat" cmpd="sng" algn="ctr">
                       <a:solidFill>
                         <a:srgbClr val="64748B"/>
@@ -5339,7 +5170,7 @@
                     <a:bodyPr/>
                     <a:lstStyle/>
                     <a:p>
-                      <a:pPr algn="l" indent="0" marL="0">
+                      <a:pPr marL="0" indent="0" algn="l">
                         <a:buNone/>
                       </a:pPr>
                       <a:r>
@@ -5353,7 +5184,7 @@
                       <a:endParaRPr lang="en-US" sz="1600" dirty="0"/>
                     </a:p>
                   </a:txBody>
-                  <a:tcPr marL="91440" marR="91440" marT="45720" marB="45720" anchor="ctr">
+                  <a:tcPr anchor="ctr">
                     <a:lnL w="12700" cap="flat" cmpd="sng" algn="ctr">
                       <a:solidFill>
                         <a:srgbClr val="64748B"/>
@@ -5392,6 +5223,11 @@
                     </a:lnB>
                   </a:tcPr>
                 </a:tc>
+                <a:extLst>
+                  <a:ext uri="{0D108BD9-81ED-4DB2-BD59-A6C34878D82A}">
+                    <a16:rowId xmlns:a16="http://schemas.microsoft.com/office/drawing/2014/main" val="10004"/>
+                  </a:ext>
+                </a:extLst>
               </a:tr>
               <a:tr h="426720">
                 <a:tc>
@@ -5399,7 +5235,7 @@
                     <a:bodyPr/>
                     <a:lstStyle/>
                     <a:p>
-                      <a:pPr algn="l" indent="0" marL="0">
+                      <a:pPr marL="0" indent="0" algn="l">
                         <a:buNone/>
                       </a:pPr>
                       <a:r>
@@ -5413,7 +5249,7 @@
                       <a:endParaRPr lang="en-US" sz="1600" dirty="0"/>
                     </a:p>
                   </a:txBody>
-                  <a:tcPr marL="91440" marR="91440" marT="45720" marB="45720" anchor="ctr">
+                  <a:tcPr anchor="ctr">
                     <a:lnL w="12700" cap="flat" cmpd="sng" algn="ctr">
                       <a:solidFill>
                         <a:srgbClr val="64748B"/>
@@ -5457,7 +5293,7 @@
                     <a:bodyPr/>
                     <a:lstStyle/>
                     <a:p>
-                      <a:pPr algn="l" indent="0" marL="0">
+                      <a:pPr marL="0" indent="0" algn="l">
                         <a:buNone/>
                       </a:pPr>
                       <a:r>
@@ -5471,7 +5307,7 @@
                       <a:endParaRPr lang="en-US" sz="1600" dirty="0"/>
                     </a:p>
                   </a:txBody>
-                  <a:tcPr marL="91440" marR="91440" marT="45720" marB="45720" anchor="ctr">
+                  <a:tcPr anchor="ctr">
                     <a:lnL w="12700" cap="flat" cmpd="sng" algn="ctr">
                       <a:solidFill>
                         <a:srgbClr val="64748B"/>
@@ -5515,7 +5351,7 @@
                     <a:bodyPr/>
                     <a:lstStyle/>
                     <a:p>
-                      <a:pPr algn="l" indent="0" marL="0">
+                      <a:pPr marL="0" indent="0" algn="l">
                         <a:buNone/>
                       </a:pPr>
                       <a:r>
@@ -5529,7 +5365,7 @@
                       <a:endParaRPr lang="en-US" sz="1600" dirty="0"/>
                     </a:p>
                   </a:txBody>
-                  <a:tcPr marL="91440" marR="91440" marT="45720" marB="45720" anchor="ctr">
+                  <a:tcPr anchor="ctr">
                     <a:lnL w="12700" cap="flat" cmpd="sng" algn="ctr">
                       <a:solidFill>
                         <a:srgbClr val="64748B"/>
@@ -5568,6 +5404,11 @@
                     </a:lnB>
                   </a:tcPr>
                 </a:tc>
+                <a:extLst>
+                  <a:ext uri="{0D108BD9-81ED-4DB2-BD59-A6C34878D82A}">
+                    <a16:rowId xmlns:a16="http://schemas.microsoft.com/office/drawing/2014/main" val="10005"/>
+                  </a:ext>
+                </a:extLst>
               </a:tr>
             </a:tbl>
           </a:graphicData>
@@ -5575,7 +5416,7 @@
       </p:graphicFrame>
       <p:sp>
         <p:nvSpPr>
-          <p:cNvPr id="4" name="Text 1"/>
+          <p:cNvPr id="3" name="Text 1"/>
           <p:cNvSpPr/>
           <p:nvPr/>
         </p:nvSpPr>
@@ -5594,7 +5435,7 @@
           <a:bodyPr wrap="square" rtlCol="0" anchor="ctr"/>
           <a:lstStyle/>
           <a:p>
-            <a:pPr algn="ctr" indent="0" marL="0">
+            <a:pPr marL="0" indent="0" algn="ctr">
               <a:buNone/>
             </a:pPr>
             <a:r>
@@ -5625,6 +5466,7 @@
         <a:solidFill>
           <a:srgbClr val="F1F5F9"/>
         </a:solidFill>
+        <a:effectLst/>
       </p:bgPr>
     </p:bg>
     <p:spTree>
@@ -5662,7 +5504,7 @@
           <a:bodyPr wrap="square" rtlCol="0" anchor="ctr"/>
           <a:lstStyle/>
           <a:p>
-            <a:pPr indent="0" marL="0">
+            <a:pPr marL="0" indent="0">
               <a:buNone/>
             </a:pPr>
             <a:r>
@@ -5698,6 +5540,13 @@
           </a:solidFill>
           <a:ln/>
         </p:spPr>
+        <p:txBody>
+          <a:bodyPr/>
+          <a:lstStyle/>
+          <a:p>
+            <a:endParaRPr lang="en-KW"/>
+          </a:p>
+        </p:txBody>
       </p:sp>
       <p:sp>
         <p:nvSpPr>
@@ -5720,7 +5569,7 @@
           <a:bodyPr wrap="square" rtlCol="0" anchor="ctr"/>
           <a:lstStyle/>
           <a:p>
-            <a:pPr algn="ctr" indent="0" marL="0">
+            <a:pPr marL="0" indent="0" algn="ctr">
               <a:buNone/>
             </a:pPr>
             <a:r>
@@ -5754,6 +5603,13 @@
           </a:solidFill>
           <a:ln/>
         </p:spPr>
+        <p:txBody>
+          <a:bodyPr/>
+          <a:lstStyle/>
+          <a:p>
+            <a:endParaRPr lang="en-KW"/>
+          </a:p>
+        </p:txBody>
       </p:sp>
       <p:sp>
         <p:nvSpPr>
@@ -5776,7 +5632,7 @@
           <a:bodyPr wrap="square" rtlCol="0" anchor="ctr"/>
           <a:lstStyle/>
           <a:p>
-            <a:pPr indent="0" marL="0">
+            <a:pPr marL="0" indent="0">
               <a:buNone/>
             </a:pPr>
             <a:r>
@@ -5790,9 +5646,6 @@
               </a:rPr>
               <a:t>int</a:t>
             </a:r>
-            <a:pPr indent="0" marL="0">
-              <a:buNone/>
-            </a:pPr>
             <a:r>
               <a:rPr lang="en-US" sz="1600" dirty="0">
                 <a:solidFill>
@@ -5804,9 +5657,6 @@
               </a:rPr>
               <a:t> age = </a:t>
             </a:r>
-            <a:pPr indent="0" marL="0">
-              <a:buNone/>
-            </a:pPr>
             <a:r>
               <a:rPr lang="en-US" sz="1600" dirty="0">
                 <a:solidFill>
@@ -5816,12 +5666,12 @@
                 <a:ea typeface="Consolas" pitchFamily="34" charset="-122"/>
                 <a:cs typeface="Consolas" pitchFamily="34" charset="-120"/>
               </a:rPr>
-              <a:t>25</a:t>
+              <a:t>25;</a:t>
             </a:r>
             <a:endParaRPr lang="en-US" sz="1600" dirty="0"/>
           </a:p>
           <a:p>
-            <a:pPr indent="0" marL="0">
+            <a:pPr marL="0" indent="0">
               <a:buNone/>
             </a:pPr>
             <a:r>
@@ -5835,9 +5685,6 @@
               </a:rPr>
               <a:t>int</a:t>
             </a:r>
-            <a:pPr indent="0" marL="0">
-              <a:buNone/>
-            </a:pPr>
             <a:r>
               <a:rPr lang="en-US" sz="1600" dirty="0">
                 <a:solidFill>
@@ -5849,9 +5696,6 @@
               </a:rPr>
               <a:t> temperature = </a:t>
             </a:r>
-            <a:pPr indent="0" marL="0">
-              <a:buNone/>
-            </a:pPr>
             <a:r>
               <a:rPr lang="en-US" sz="1600" dirty="0">
                 <a:solidFill>
@@ -5861,12 +5705,12 @@
                 <a:ea typeface="Consolas" pitchFamily="34" charset="-122"/>
                 <a:cs typeface="Consolas" pitchFamily="34" charset="-120"/>
               </a:rPr>
-              <a:t>-5</a:t>
+              <a:t>-5;</a:t>
             </a:r>
             <a:endParaRPr lang="en-US" sz="1600" dirty="0"/>
           </a:p>
           <a:p>
-            <a:pPr indent="0" marL="0">
+            <a:pPr marL="0" indent="0">
               <a:buNone/>
             </a:pPr>
             <a:r>
@@ -5880,9 +5724,6 @@
               </a:rPr>
               <a:t>int</a:t>
             </a:r>
-            <a:pPr indent="0" marL="0">
-              <a:buNone/>
-            </a:pPr>
             <a:r>
               <a:rPr lang="en-US" sz="1600" dirty="0">
                 <a:solidFill>
@@ -5894,9 +5735,6 @@
               </a:rPr>
               <a:t> score = </a:t>
             </a:r>
-            <a:pPr indent="0" marL="0">
-              <a:buNone/>
-            </a:pPr>
             <a:r>
               <a:rPr lang="en-US" sz="1600" dirty="0">
                 <a:solidFill>
@@ -5906,12 +5744,12 @@
                 <a:ea typeface="Consolas" pitchFamily="34" charset="-122"/>
                 <a:cs typeface="Consolas" pitchFamily="34" charset="-120"/>
               </a:rPr>
-              <a:t>0</a:t>
+              <a:t>0;</a:t>
             </a:r>
             <a:endParaRPr lang="en-US" sz="1600" dirty="0"/>
           </a:p>
           <a:p>
-            <a:pPr indent="0" marL="0">
+            <a:pPr marL="0" indent="0">
               <a:buNone/>
             </a:pPr>
             <a:r>
@@ -5925,9 +5763,6 @@
               </a:rPr>
               <a:t>int</a:t>
             </a:r>
-            <a:pPr indent="0" marL="0">
-              <a:buNone/>
-            </a:pPr>
             <a:r>
               <a:rPr lang="en-US" sz="1600" dirty="0">
                 <a:solidFill>
@@ -5939,9 +5774,6 @@
               </a:rPr>
               <a:t> year = </a:t>
             </a:r>
-            <a:pPr indent="0" marL="0">
-              <a:buNone/>
-            </a:pPr>
             <a:r>
               <a:rPr lang="en-US" sz="1600" dirty="0">
                 <a:solidFill>
@@ -5951,7 +5783,7 @@
                 <a:ea typeface="Consolas" pitchFamily="34" charset="-122"/>
                 <a:cs typeface="Consolas" pitchFamily="34" charset="-120"/>
               </a:rPr>
-              <a:t>2024</a:t>
+              <a:t>2024;</a:t>
             </a:r>
             <a:endParaRPr lang="en-US" sz="1600" dirty="0"/>
           </a:p>
@@ -5978,7 +5810,7 @@
           <a:bodyPr wrap="square" rtlCol="0" anchor="ctr"/>
           <a:lstStyle/>
           <a:p>
-            <a:pPr algn="ctr" indent="0" marL="0">
+            <a:pPr marL="0" indent="0" algn="ctr">
               <a:buNone/>
             </a:pPr>
             <a:r>
@@ -6009,6 +5841,7 @@
         <a:solidFill>
           <a:srgbClr val="F1F5F9"/>
         </a:solidFill>
+        <a:effectLst/>
       </p:bgPr>
     </p:bg>
     <p:spTree>
@@ -6046,7 +5879,7 @@
           <a:bodyPr wrap="square" rtlCol="0" anchor="ctr"/>
           <a:lstStyle/>
           <a:p>
-            <a:pPr indent="0" marL="0">
+            <a:pPr marL="0" indent="0">
               <a:buNone/>
             </a:pPr>
             <a:r>
@@ -6082,6 +5915,13 @@
           </a:solidFill>
           <a:ln/>
         </p:spPr>
+        <p:txBody>
+          <a:bodyPr/>
+          <a:lstStyle/>
+          <a:p>
+            <a:endParaRPr lang="en-KW"/>
+          </a:p>
+        </p:txBody>
       </p:sp>
       <p:sp>
         <p:nvSpPr>
@@ -6104,7 +5944,7 @@
           <a:bodyPr wrap="square" rtlCol="0" anchor="ctr"/>
           <a:lstStyle/>
           <a:p>
-            <a:pPr algn="ctr" indent="0" marL="0">
+            <a:pPr marL="0" indent="0" algn="ctr">
               <a:buNone/>
             </a:pPr>
             <a:r>
@@ -6138,6 +5978,13 @@
           </a:solidFill>
           <a:ln/>
         </p:spPr>
+        <p:txBody>
+          <a:bodyPr/>
+          <a:lstStyle/>
+          <a:p>
+            <a:endParaRPr lang="en-KW"/>
+          </a:p>
+        </p:txBody>
       </p:sp>
       <p:sp>
         <p:nvSpPr>
@@ -6160,7 +6007,7 @@
           <a:bodyPr wrap="square" rtlCol="0" anchor="ctr"/>
           <a:lstStyle/>
           <a:p>
-            <a:pPr indent="0" marL="0">
+            <a:pPr marL="0" indent="0">
               <a:buNone/>
             </a:pPr>
             <a:r>
@@ -6174,9 +6021,6 @@
               </a:rPr>
               <a:t>double</a:t>
             </a:r>
-            <a:pPr indent="0" marL="0">
-              <a:buNone/>
-            </a:pPr>
             <a:r>
               <a:rPr lang="en-US" sz="1600" dirty="0">
                 <a:solidFill>
@@ -6188,9 +6032,6 @@
               </a:rPr>
               <a:t> pi = </a:t>
             </a:r>
-            <a:pPr indent="0" marL="0">
-              <a:buNone/>
-            </a:pPr>
             <a:r>
               <a:rPr lang="en-US" sz="1600" dirty="0">
                 <a:solidFill>
@@ -6200,12 +6041,12 @@
                 <a:ea typeface="Consolas" pitchFamily="34" charset="-122"/>
                 <a:cs typeface="Consolas" pitchFamily="34" charset="-120"/>
               </a:rPr>
-              <a:t>3.14159</a:t>
+              <a:t>3.14159;</a:t>
             </a:r>
             <a:endParaRPr lang="en-US" sz="1600" dirty="0"/>
           </a:p>
           <a:p>
-            <a:pPr indent="0" marL="0">
+            <a:pPr marL="0" indent="0">
               <a:buNone/>
             </a:pPr>
             <a:r>
@@ -6219,9 +6060,6 @@
               </a:rPr>
               <a:t>double</a:t>
             </a:r>
-            <a:pPr indent="0" marL="0">
-              <a:buNone/>
-            </a:pPr>
             <a:r>
               <a:rPr lang="en-US" sz="1600" dirty="0">
                 <a:solidFill>
@@ -6233,9 +6071,6 @@
               </a:rPr>
               <a:t> price = </a:t>
             </a:r>
-            <a:pPr indent="0" marL="0">
-              <a:buNone/>
-            </a:pPr>
             <a:r>
               <a:rPr lang="en-US" sz="1600" dirty="0">
                 <a:solidFill>
@@ -6245,12 +6080,12 @@
                 <a:ea typeface="Consolas" pitchFamily="34" charset="-122"/>
                 <a:cs typeface="Consolas" pitchFamily="34" charset="-120"/>
               </a:rPr>
-              <a:t>19.99</a:t>
+              <a:t>19.99;</a:t>
             </a:r>
             <a:endParaRPr lang="en-US" sz="1600" dirty="0"/>
           </a:p>
           <a:p>
-            <a:pPr indent="0" marL="0">
+            <a:pPr marL="0" indent="0">
               <a:buNone/>
             </a:pPr>
             <a:r>
@@ -6264,9 +6099,6 @@
               </a:rPr>
               <a:t>double</a:t>
             </a:r>
-            <a:pPr indent="0" marL="0">
-              <a:buNone/>
-            </a:pPr>
             <a:r>
               <a:rPr lang="en-US" sz="1600" dirty="0">
                 <a:solidFill>
@@ -6278,9 +6110,6 @@
               </a:rPr>
               <a:t> gpa = </a:t>
             </a:r>
-            <a:pPr indent="0" marL="0">
-              <a:buNone/>
-            </a:pPr>
             <a:r>
               <a:rPr lang="en-US" sz="1600" dirty="0">
                 <a:solidFill>
@@ -6290,12 +6119,12 @@
                 <a:ea typeface="Consolas" pitchFamily="34" charset="-122"/>
                 <a:cs typeface="Consolas" pitchFamily="34" charset="-120"/>
               </a:rPr>
-              <a:t>3.8</a:t>
+              <a:t>3.8;</a:t>
             </a:r>
             <a:endParaRPr lang="en-US" sz="1600" dirty="0"/>
           </a:p>
           <a:p>
-            <a:pPr indent="0" marL="0">
+            <a:pPr marL="0" indent="0">
               <a:buNone/>
             </a:pPr>
             <a:r>
@@ -6309,9 +6138,6 @@
               </a:rPr>
               <a:t>double</a:t>
             </a:r>
-            <a:pPr indent="0" marL="0">
-              <a:buNone/>
-            </a:pPr>
             <a:r>
               <a:rPr lang="en-US" sz="1600" dirty="0">
                 <a:solidFill>
@@ -6323,9 +6149,6 @@
               </a:rPr>
               <a:t> temperature = </a:t>
             </a:r>
-            <a:pPr indent="0" marL="0">
-              <a:buNone/>
-            </a:pPr>
             <a:r>
               <a:rPr lang="en-US" sz="1600" dirty="0">
                 <a:solidFill>
@@ -6335,7 +6158,7 @@
                 <a:ea typeface="Consolas" pitchFamily="34" charset="-122"/>
                 <a:cs typeface="Consolas" pitchFamily="34" charset="-120"/>
               </a:rPr>
-              <a:t>98.6</a:t>
+              <a:t>98.6;</a:t>
             </a:r>
             <a:endParaRPr lang="en-US" sz="1600" dirty="0"/>
           </a:p>
@@ -6362,7 +6185,7 @@
           <a:bodyPr wrap="square" rtlCol="0" anchor="ctr"/>
           <a:lstStyle/>
           <a:p>
-            <a:pPr algn="ctr" indent="0" marL="0">
+            <a:pPr marL="0" indent="0" algn="ctr">
               <a:buNone/>
             </a:pPr>
             <a:r>
@@ -6393,6 +6216,7 @@
         <a:solidFill>
           <a:srgbClr val="F1F5F9"/>
         </a:solidFill>
+        <a:effectLst/>
       </p:bgPr>
     </p:bg>
     <p:spTree>
@@ -6430,7 +6254,7 @@
           <a:bodyPr wrap="square" rtlCol="0" anchor="ctr"/>
           <a:lstStyle/>
           <a:p>
-            <a:pPr indent="0" marL="0">
+            <a:pPr marL="0" indent="0">
               <a:buNone/>
             </a:pPr>
             <a:r>
@@ -6454,7 +6278,7 @@
         <p:spPr>
           <a:xfrm>
             <a:off x="457200" y="1188720"/>
-            <a:ext cx="4023360" cy="1645920"/>
+            <a:ext cx="4023360" cy="1783080"/>
           </a:xfrm>
           <a:prstGeom prst="rect">
             <a:avLst/>
@@ -6464,6 +6288,13 @@
           </a:solidFill>
           <a:ln/>
         </p:spPr>
+        <p:txBody>
+          <a:bodyPr/>
+          <a:lstStyle/>
+          <a:p>
+            <a:endParaRPr lang="en-KW"/>
+          </a:p>
+        </p:txBody>
       </p:sp>
       <p:sp>
         <p:nvSpPr>
@@ -6484,6 +6315,13 @@
           </a:solidFill>
           <a:ln/>
         </p:spPr>
+        <p:txBody>
+          <a:bodyPr/>
+          <a:lstStyle/>
+          <a:p>
+            <a:endParaRPr lang="en-KW"/>
+          </a:p>
+        </p:txBody>
       </p:sp>
       <p:sp>
         <p:nvSpPr>
@@ -6506,7 +6344,7 @@
           <a:bodyPr wrap="square" rtlCol="0" anchor="ctr"/>
           <a:lstStyle/>
           <a:p>
-            <a:pPr algn="ctr" indent="0" marL="0">
+            <a:pPr marL="0" indent="0" algn="ctr">
               <a:buNone/>
             </a:pPr>
             <a:r>
@@ -6540,6 +6378,13 @@
           </a:solidFill>
           <a:ln/>
         </p:spPr>
+        <p:txBody>
+          <a:bodyPr/>
+          <a:lstStyle/>
+          <a:p>
+            <a:endParaRPr lang="en-KW"/>
+          </a:p>
+        </p:txBody>
       </p:sp>
       <p:sp>
         <p:nvSpPr>
@@ -6562,7 +6407,7 @@
           <a:bodyPr wrap="square" rtlCol="0" anchor="ctr"/>
           <a:lstStyle/>
           <a:p>
-            <a:pPr indent="0" marL="0">
+            <a:pPr marL="0" indent="0">
               <a:buNone/>
             </a:pPr>
             <a:r>
@@ -6576,9 +6421,6 @@
               </a:rPr>
               <a:t>char</a:t>
             </a:r>
-            <a:pPr indent="0" marL="0">
-              <a:buNone/>
-            </a:pPr>
             <a:r>
               <a:rPr lang="en-US" sz="1400" dirty="0">
                 <a:solidFill>
@@ -6590,9 +6432,6 @@
               </a:rPr>
               <a:t> grade = </a:t>
             </a:r>
-            <a:pPr indent="0" marL="0">
-              <a:buNone/>
-            </a:pPr>
             <a:r>
               <a:rPr lang="en-US" sz="1400" dirty="0">
                 <a:solidFill>
@@ -6602,12 +6441,12 @@
                 <a:ea typeface="Consolas" pitchFamily="34" charset="-122"/>
                 <a:cs typeface="Consolas" pitchFamily="34" charset="-120"/>
               </a:rPr>
-              <a:t>'A'</a:t>
+              <a:t>'A';</a:t>
             </a:r>
             <a:endParaRPr lang="en-US" sz="1400" dirty="0"/>
           </a:p>
           <a:p>
-            <a:pPr indent="0" marL="0">
+            <a:pPr marL="0" indent="0">
               <a:buNone/>
             </a:pPr>
             <a:r>
@@ -6621,9 +6460,6 @@
               </a:rPr>
               <a:t>char</a:t>
             </a:r>
-            <a:pPr indent="0" marL="0">
-              <a:buNone/>
-            </a:pPr>
             <a:r>
               <a:rPr lang="en-US" sz="1400" dirty="0">
                 <a:solidFill>
@@ -6635,9 +6471,6 @@
               </a:rPr>
               <a:t> symbol = </a:t>
             </a:r>
-            <a:pPr indent="0" marL="0">
-              <a:buNone/>
-            </a:pPr>
             <a:r>
               <a:rPr lang="en-US" sz="1400" dirty="0">
                 <a:solidFill>
@@ -6647,7 +6480,7 @@
                 <a:ea typeface="Consolas" pitchFamily="34" charset="-122"/>
                 <a:cs typeface="Consolas" pitchFamily="34" charset="-120"/>
               </a:rPr>
-              <a:t>'$'</a:t>
+              <a:t>'$';</a:t>
             </a:r>
             <a:endParaRPr lang="en-US" sz="1400" dirty="0"/>
           </a:p>
@@ -6674,7 +6507,7 @@
           <a:bodyPr wrap="square" rtlCol="0" anchor="ctr"/>
           <a:lstStyle/>
           <a:p>
-            <a:pPr indent="0" marL="0">
+            <a:pPr marL="0" indent="0">
               <a:buNone/>
             </a:pPr>
             <a:r>
@@ -6698,7 +6531,7 @@
         <p:spPr>
           <a:xfrm>
             <a:off x="4663440" y="1188720"/>
-            <a:ext cx="4023360" cy="1645920"/>
+            <a:ext cx="4023360" cy="1783080"/>
           </a:xfrm>
           <a:prstGeom prst="rect">
             <a:avLst/>
@@ -6708,6 +6541,13 @@
           </a:solidFill>
           <a:ln/>
         </p:spPr>
+        <p:txBody>
+          <a:bodyPr/>
+          <a:lstStyle/>
+          <a:p>
+            <a:endParaRPr lang="en-KW"/>
+          </a:p>
+        </p:txBody>
       </p:sp>
       <p:sp>
         <p:nvSpPr>
@@ -6728,6 +6568,13 @@
           </a:solidFill>
           <a:ln/>
         </p:spPr>
+        <p:txBody>
+          <a:bodyPr/>
+          <a:lstStyle/>
+          <a:p>
+            <a:endParaRPr lang="en-KW"/>
+          </a:p>
+        </p:txBody>
       </p:sp>
       <p:sp>
         <p:nvSpPr>
@@ -6750,7 +6597,7 @@
           <a:bodyPr wrap="square" rtlCol="0" anchor="ctr"/>
           <a:lstStyle/>
           <a:p>
-            <a:pPr algn="ctr" indent="0" marL="0">
+            <a:pPr marL="0" indent="0" algn="ctr">
               <a:buNone/>
             </a:pPr>
             <a:r>
@@ -6784,6 +6631,13 @@
           </a:solidFill>
           <a:ln/>
         </p:spPr>
+        <p:txBody>
+          <a:bodyPr/>
+          <a:lstStyle/>
+          <a:p>
+            <a:endParaRPr lang="en-KW"/>
+          </a:p>
+        </p:txBody>
       </p:sp>
       <p:sp>
         <p:nvSpPr>
@@ -6806,7 +6660,7 @@
           <a:bodyPr wrap="square" rtlCol="0" anchor="ctr"/>
           <a:lstStyle/>
           <a:p>
-            <a:pPr indent="0" marL="0">
+            <a:pPr marL="0" indent="0">
               <a:buNone/>
             </a:pPr>
             <a:r>
@@ -6820,9 +6674,6 @@
               </a:rPr>
               <a:t>bool</a:t>
             </a:r>
-            <a:pPr indent="0" marL="0">
-              <a:buNone/>
-            </a:pPr>
             <a:r>
               <a:rPr lang="en-US" sz="1400" dirty="0">
                 <a:solidFill>
@@ -6834,9 +6685,6 @@
               </a:rPr>
               <a:t> ready = </a:t>
             </a:r>
-            <a:pPr indent="0" marL="0">
-              <a:buNone/>
-            </a:pPr>
             <a:r>
               <a:rPr lang="en-US" sz="1400" dirty="0">
                 <a:solidFill>
@@ -6846,12 +6694,12 @@
                 <a:ea typeface="Consolas" pitchFamily="34" charset="-122"/>
                 <a:cs typeface="Consolas" pitchFamily="34" charset="-120"/>
               </a:rPr>
-              <a:t>true</a:t>
+              <a:t>true;</a:t>
             </a:r>
             <a:endParaRPr lang="en-US" sz="1400" dirty="0"/>
           </a:p>
           <a:p>
-            <a:pPr indent="0" marL="0">
+            <a:pPr marL="0" indent="0">
               <a:buNone/>
             </a:pPr>
             <a:r>
@@ -6865,9 +6713,6 @@
               </a:rPr>
               <a:t>bool</a:t>
             </a:r>
-            <a:pPr indent="0" marL="0">
-              <a:buNone/>
-            </a:pPr>
             <a:r>
               <a:rPr lang="en-US" sz="1400" dirty="0">
                 <a:solidFill>
@@ -6879,9 +6724,6 @@
               </a:rPr>
               <a:t> done = </a:t>
             </a:r>
-            <a:pPr indent="0" marL="0">
-              <a:buNone/>
-            </a:pPr>
             <a:r>
               <a:rPr lang="en-US" sz="1400" dirty="0">
                 <a:solidFill>
@@ -6891,7 +6733,7 @@
                 <a:ea typeface="Consolas" pitchFamily="34" charset="-122"/>
                 <a:cs typeface="Consolas" pitchFamily="34" charset="-120"/>
               </a:rPr>
-              <a:t>false</a:t>
+              <a:t>false;</a:t>
             </a:r>
             <a:endParaRPr lang="en-US" sz="1400" dirty="0"/>
           </a:p>
@@ -6918,7 +6760,7 @@
           <a:bodyPr wrap="square" rtlCol="0" anchor="ctr"/>
           <a:lstStyle/>
           <a:p>
-            <a:pPr indent="0" marL="0">
+            <a:pPr marL="0" indent="0">
               <a:buNone/>
             </a:pPr>
             <a:r>
@@ -6954,7 +6796,7 @@
           <a:bodyPr wrap="square" rtlCol="0" anchor="ctr"/>
           <a:lstStyle/>
           <a:p>
-            <a:pPr indent="0" marL="0">
+            <a:pPr marL="0" indent="0">
               <a:buNone/>
             </a:pPr>
             <a:r>
@@ -6990,7 +6832,7 @@
           <a:bodyPr wrap="square" rtlCol="0" anchor="ctr"/>
           <a:lstStyle/>
           <a:p>
-            <a:pPr algn="ctr" indent="0" marL="0">
+            <a:pPr marL="0" indent="0" algn="ctr">
               <a:buNone/>
             </a:pPr>
             <a:r>
@@ -7029,7 +6871,7 @@
           <a:bodyPr wrap="square" rtlCol="0" anchor="ctr"/>
           <a:lstStyle/>
           <a:p>
-            <a:pPr algn="ctr" indent="0" marL="0">
+            <a:pPr marL="0" indent="0" algn="ctr">
               <a:buNone/>
             </a:pPr>
             <a:r>
@@ -7063,6 +6905,7 @@
         <a:solidFill>
           <a:srgbClr val="F1F5F9"/>
         </a:solidFill>
+        <a:effectLst/>
       </p:bgPr>
     </p:bg>
     <p:spTree>
@@ -7100,7 +6943,7 @@
           <a:bodyPr wrap="square" rtlCol="0" anchor="ctr"/>
           <a:lstStyle/>
           <a:p>
-            <a:pPr indent="0" marL="0">
+            <a:pPr marL="0" indent="0">
               <a:buNone/>
             </a:pPr>
             <a:r>
@@ -7136,6 +6979,13 @@
           </a:solidFill>
           <a:ln/>
         </p:spPr>
+        <p:txBody>
+          <a:bodyPr/>
+          <a:lstStyle/>
+          <a:p>
+            <a:endParaRPr lang="en-KW"/>
+          </a:p>
+        </p:txBody>
       </p:sp>
       <p:sp>
         <p:nvSpPr>
@@ -7158,7 +7008,7 @@
           <a:bodyPr wrap="square" rtlCol="0" anchor="ctr"/>
           <a:lstStyle/>
           <a:p>
-            <a:pPr algn="ctr" indent="0" marL="0">
+            <a:pPr marL="0" indent="0" algn="ctr">
               <a:buNone/>
             </a:pPr>
             <a:r>
@@ -7192,6 +7042,13 @@
           </a:solidFill>
           <a:ln/>
         </p:spPr>
+        <p:txBody>
+          <a:bodyPr/>
+          <a:lstStyle/>
+          <a:p>
+            <a:endParaRPr lang="en-KW"/>
+          </a:p>
+        </p:txBody>
       </p:sp>
       <p:sp>
         <p:nvSpPr>
@@ -7214,7 +7071,7 @@
           <a:bodyPr wrap="square" rtlCol="0" anchor="ctr"/>
           <a:lstStyle/>
           <a:p>
-            <a:pPr indent="0" marL="0">
+            <a:pPr marL="0" indent="0">
               <a:buNone/>
             </a:pPr>
             <a:r>
@@ -7231,13 +7088,13 @@
             <a:endParaRPr lang="en-US" sz="1500" dirty="0"/>
           </a:p>
           <a:p>
-            <a:pPr indent="0" marL="0">
+            <a:pPr marL="0" indent="0">
               <a:buNone/>
             </a:pPr>
             <a:endParaRPr lang="en-US" sz="1500" dirty="0"/>
           </a:p>
           <a:p>
-            <a:pPr indent="0" marL="0">
+            <a:pPr marL="0" indent="0">
               <a:buNone/>
             </a:pPr>
             <a:r>
@@ -7251,9 +7108,6 @@
               </a:rPr>
               <a:t>string</a:t>
             </a:r>
-            <a:pPr indent="0" marL="0">
-              <a:buNone/>
-            </a:pPr>
             <a:r>
               <a:rPr lang="en-US" sz="1500" dirty="0">
                 <a:solidFill>
@@ -7265,9 +7119,6 @@
               </a:rPr>
               <a:t> name = </a:t>
             </a:r>
-            <a:pPr indent="0" marL="0">
-              <a:buNone/>
-            </a:pPr>
             <a:r>
               <a:rPr lang="en-US" sz="1500" dirty="0">
                 <a:solidFill>
@@ -7277,12 +7128,12 @@
                 <a:ea typeface="Consolas" pitchFamily="34" charset="-122"/>
                 <a:cs typeface="Consolas" pitchFamily="34" charset="-120"/>
               </a:rPr>
-              <a:t>"Alice"</a:t>
+              <a:t>"Alice";</a:t>
             </a:r>
             <a:endParaRPr lang="en-US" sz="1500" dirty="0"/>
           </a:p>
           <a:p>
-            <a:pPr indent="0" marL="0">
+            <a:pPr marL="0" indent="0">
               <a:buNone/>
             </a:pPr>
             <a:r>
@@ -7296,9 +7147,6 @@
               </a:rPr>
               <a:t>string</a:t>
             </a:r>
-            <a:pPr indent="0" marL="0">
-              <a:buNone/>
-            </a:pPr>
             <a:r>
               <a:rPr lang="en-US" sz="1500" dirty="0">
                 <a:solidFill>
@@ -7310,9 +7158,6 @@
               </a:rPr>
               <a:t> city = </a:t>
             </a:r>
-            <a:pPr indent="0" marL="0">
-              <a:buNone/>
-            </a:pPr>
             <a:r>
               <a:rPr lang="en-US" sz="1500" dirty="0">
                 <a:solidFill>
@@ -7322,12 +7167,12 @@
                 <a:ea typeface="Consolas" pitchFamily="34" charset="-122"/>
                 <a:cs typeface="Consolas" pitchFamily="34" charset="-120"/>
               </a:rPr>
-              <a:t>"New York"</a:t>
+              <a:t>"New York" ;</a:t>
             </a:r>
             <a:endParaRPr lang="en-US" sz="1500" dirty="0"/>
           </a:p>
           <a:p>
-            <a:pPr indent="0" marL="0">
+            <a:pPr marL="0" indent="0">
               <a:buNone/>
             </a:pPr>
             <a:r>
@@ -7341,9 +7186,6 @@
               </a:rPr>
               <a:t>string</a:t>
             </a:r>
-            <a:pPr indent="0" marL="0">
-              <a:buNone/>
-            </a:pPr>
             <a:r>
               <a:rPr lang="en-US" sz="1500" dirty="0">
                 <a:solidFill>
@@ -7355,9 +7197,6 @@
               </a:rPr>
               <a:t> message = </a:t>
             </a:r>
-            <a:pPr indent="0" marL="0">
-              <a:buNone/>
-            </a:pPr>
             <a:r>
               <a:rPr lang="en-US" sz="1500" dirty="0">
                 <a:solidFill>
@@ -7367,7 +7206,7 @@
                 <a:ea typeface="Consolas" pitchFamily="34" charset="-122"/>
                 <a:cs typeface="Consolas" pitchFamily="34" charset="-120"/>
               </a:rPr>
-              <a:t>"Hello!"</a:t>
+              <a:t>"Hello!";</a:t>
             </a:r>
             <a:endParaRPr lang="en-US" sz="1500" dirty="0"/>
           </a:p>
@@ -7375,14 +7214,14 @@
       </p:sp>
       <p:pic>
         <p:nvPicPr>
-          <p:cNvPr id="7" name="Image 0" descr="preencoded.png">    </p:cNvPr>
+          <p:cNvPr id="7" name="Image 0" descr="preencoded.png"/>
           <p:cNvPicPr>
             <a:picLocks noChangeAspect="1"/>
           </p:cNvPicPr>
           <p:nvPr/>
         </p:nvPicPr>
         <p:blipFill>
-          <a:blip r:embed="rId1"/>
+          <a:blip r:embed="rId3"/>
           <a:stretch>
             <a:fillRect/>
           </a:stretch>
@@ -7418,7 +7257,7 @@
           <a:bodyPr wrap="square" rtlCol="0" anchor="ctr"/>
           <a:lstStyle/>
           <a:p>
-            <a:pPr indent="0" marL="0">
+            <a:pPr marL="0" indent="0">
               <a:buNone/>
             </a:pPr>
             <a:r>
@@ -7435,14 +7274,14 @@
       </p:sp>
       <p:pic>
         <p:nvPicPr>
-          <p:cNvPr id="9" name="Image 1" descr="preencoded.png">    </p:cNvPr>
+          <p:cNvPr id="9" name="Image 1" descr="preencoded.png"/>
           <p:cNvPicPr>
             <a:picLocks noChangeAspect="1"/>
           </p:cNvPicPr>
           <p:nvPr/>
         </p:nvPicPr>
         <p:blipFill>
-          <a:blip r:embed="rId2"/>
+          <a:blip r:embed="rId4"/>
           <a:stretch>
             <a:fillRect/>
           </a:stretch>
@@ -7478,7 +7317,7 @@
           <a:bodyPr wrap="square" rtlCol="0" anchor="ctr"/>
           <a:lstStyle/>
           <a:p>
-            <a:pPr indent="0" marL="0">
+            <a:pPr marL="0" indent="0">
               <a:buNone/>
             </a:pPr>
             <a:r>
@@ -7509,6 +7348,7 @@
         <a:solidFill>
           <a:srgbClr val="F1F5F9"/>
         </a:solidFill>
+        <a:effectLst/>
       </p:bgPr>
     </p:bg>
     <p:spTree>
@@ -7546,7 +7386,7 @@
           <a:bodyPr wrap="square" rtlCol="0" anchor="ctr"/>
           <a:lstStyle/>
           <a:p>
-            <a:pPr indent="0" marL="0">
+            <a:pPr marL="0" indent="0">
               <a:buNone/>
             </a:pPr>
             <a:r>
@@ -7580,6 +7420,13 @@
           </a:solidFill>
           <a:ln/>
         </p:spPr>
+        <p:txBody>
+          <a:bodyPr/>
+          <a:lstStyle/>
+          <a:p>
+            <a:endParaRPr lang="en-KW"/>
+          </a:p>
+        </p:txBody>
       </p:sp>
       <p:sp>
         <p:nvSpPr>
@@ -7602,7 +7449,7 @@
           <a:bodyPr wrap="square" rtlCol="0" anchor="ctr"/>
           <a:lstStyle/>
           <a:p>
-            <a:pPr indent="0" marL="0">
+            <a:pPr marL="0" indent="0">
               <a:buNone/>
             </a:pPr>
             <a:r>
@@ -7616,9 +7463,6 @@
               </a:rPr>
               <a:t>string</a:t>
             </a:r>
-            <a:pPr indent="0" marL="0">
-              <a:buNone/>
-            </a:pPr>
             <a:r>
               <a:rPr lang="en-US" sz="1500" dirty="0">
                 <a:solidFill>
@@ -7630,9 +7474,6 @@
               </a:rPr>
               <a:t> name = </a:t>
             </a:r>
-            <a:pPr indent="0" marL="0">
-              <a:buNone/>
-            </a:pPr>
             <a:r>
               <a:rPr lang="en-US" sz="1500" dirty="0">
                 <a:solidFill>
@@ -7642,12 +7483,12 @@
                 <a:ea typeface="Consolas" pitchFamily="34" charset="-122"/>
                 <a:cs typeface="Consolas" pitchFamily="34" charset="-120"/>
               </a:rPr>
-              <a:t>"Emily Chen"</a:t>
+              <a:t>"Emily Chen";</a:t>
             </a:r>
             <a:endParaRPr lang="en-US" sz="1500" dirty="0"/>
           </a:p>
           <a:p>
-            <a:pPr indent="0" marL="0">
+            <a:pPr marL="0" indent="0">
               <a:buNone/>
             </a:pPr>
             <a:r>
@@ -7661,9 +7502,6 @@
               </a:rPr>
               <a:t>int</a:t>
             </a:r>
-            <a:pPr indent="0" marL="0">
-              <a:buNone/>
-            </a:pPr>
             <a:r>
               <a:rPr lang="en-US" sz="1500" dirty="0">
                 <a:solidFill>
@@ -7675,9 +7513,6 @@
               </a:rPr>
               <a:t> age = </a:t>
             </a:r>
-            <a:pPr indent="0" marL="0">
-              <a:buNone/>
-            </a:pPr>
             <a:r>
               <a:rPr lang="en-US" sz="1500" dirty="0">
                 <a:solidFill>
@@ -7687,12 +7522,12 @@
                 <a:ea typeface="Consolas" pitchFamily="34" charset="-122"/>
                 <a:cs typeface="Consolas" pitchFamily="34" charset="-120"/>
               </a:rPr>
-              <a:t>20</a:t>
+              <a:t>20;</a:t>
             </a:r>
             <a:endParaRPr lang="en-US" sz="1500" dirty="0"/>
           </a:p>
           <a:p>
-            <a:pPr indent="0" marL="0">
+            <a:pPr marL="0" indent="0">
               <a:buNone/>
             </a:pPr>
             <a:r>
@@ -7706,9 +7541,6 @@
               </a:rPr>
               <a:t>double</a:t>
             </a:r>
-            <a:pPr indent="0" marL="0">
-              <a:buNone/>
-            </a:pPr>
             <a:r>
               <a:rPr lang="en-US" sz="1500" dirty="0">
                 <a:solidFill>
@@ -7720,9 +7552,6 @@
               </a:rPr>
               <a:t> gpa = </a:t>
             </a:r>
-            <a:pPr indent="0" marL="0">
-              <a:buNone/>
-            </a:pPr>
             <a:r>
               <a:rPr lang="en-US" sz="1500" dirty="0">
                 <a:solidFill>
@@ -7732,12 +7561,12 @@
                 <a:ea typeface="Consolas" pitchFamily="34" charset="-122"/>
                 <a:cs typeface="Consolas" pitchFamily="34" charset="-120"/>
               </a:rPr>
-              <a:t>3.85</a:t>
+              <a:t>3.85;</a:t>
             </a:r>
             <a:endParaRPr lang="en-US" sz="1500" dirty="0"/>
           </a:p>
           <a:p>
-            <a:pPr indent="0" marL="0">
+            <a:pPr marL="0" indent="0">
               <a:buNone/>
             </a:pPr>
             <a:r>
@@ -7751,9 +7580,6 @@
               </a:rPr>
               <a:t>char</a:t>
             </a:r>
-            <a:pPr indent="0" marL="0">
-              <a:buNone/>
-            </a:pPr>
             <a:r>
               <a:rPr lang="en-US" sz="1500" dirty="0">
                 <a:solidFill>
@@ -7765,9 +7591,6 @@
               </a:rPr>
               <a:t> grade = </a:t>
             </a:r>
-            <a:pPr indent="0" marL="0">
-              <a:buNone/>
-            </a:pPr>
             <a:r>
               <a:rPr lang="en-US" sz="1500" dirty="0">
                 <a:solidFill>
@@ -7777,12 +7600,12 @@
                 <a:ea typeface="Consolas" pitchFamily="34" charset="-122"/>
                 <a:cs typeface="Consolas" pitchFamily="34" charset="-120"/>
               </a:rPr>
-              <a:t>'A'</a:t>
+              <a:t>'A';</a:t>
             </a:r>
             <a:endParaRPr lang="en-US" sz="1500" dirty="0"/>
           </a:p>
           <a:p>
-            <a:pPr indent="0" marL="0">
+            <a:pPr marL="0" indent="0">
               <a:buNone/>
             </a:pPr>
             <a:r>
@@ -7796,9 +7619,6 @@
               </a:rPr>
               <a:t>bool</a:t>
             </a:r>
-            <a:pPr indent="0" marL="0">
-              <a:buNone/>
-            </a:pPr>
             <a:r>
               <a:rPr lang="en-US" sz="1500" dirty="0">
                 <a:solidFill>
@@ -7810,9 +7630,6 @@
               </a:rPr>
               <a:t> enrolled = </a:t>
             </a:r>
-            <a:pPr indent="0" marL="0">
-              <a:buNone/>
-            </a:pPr>
             <a:r>
               <a:rPr lang="en-US" sz="1500" dirty="0">
                 <a:solidFill>
@@ -7822,18 +7639,18 @@
                 <a:ea typeface="Consolas" pitchFamily="34" charset="-122"/>
                 <a:cs typeface="Consolas" pitchFamily="34" charset="-120"/>
               </a:rPr>
-              <a:t>true</a:t>
+              <a:t>true;</a:t>
             </a:r>
             <a:endParaRPr lang="en-US" sz="1500" dirty="0"/>
           </a:p>
           <a:p>
-            <a:pPr indent="0" marL="0">
+            <a:pPr marL="0" indent="0">
               <a:buNone/>
             </a:pPr>
             <a:endParaRPr lang="en-US" sz="1500" dirty="0"/>
           </a:p>
           <a:p>
-            <a:pPr indent="0" marL="0">
+            <a:pPr marL="0" indent="0">
               <a:buNone/>
             </a:pPr>
             <a:r>
@@ -7847,9 +7664,6 @@
               </a:rPr>
               <a:t>cout &lt;&lt; </a:t>
             </a:r>
-            <a:pPr indent="0" marL="0">
-              <a:buNone/>
-            </a:pPr>
             <a:r>
               <a:rPr lang="en-US" sz="1500" dirty="0">
                 <a:solidFill>
@@ -7861,9 +7675,6 @@
               </a:rPr>
               <a:t>"Name: "</a:t>
             </a:r>
-            <a:pPr indent="0" marL="0">
-              <a:buNone/>
-            </a:pPr>
             <a:r>
               <a:rPr lang="en-US" sz="1500" dirty="0">
                 <a:solidFill>
@@ -7900,7 +7711,7 @@
           <a:bodyPr wrap="square" rtlCol="0" anchor="ctr"/>
           <a:lstStyle/>
           <a:p>
-            <a:pPr algn="ctr" indent="0" marL="0">
+            <a:pPr marL="0" indent="0" algn="ctr">
               <a:buNone/>
             </a:pPr>
             <a:r>
@@ -7931,6 +7742,7 @@
         <a:solidFill>
           <a:srgbClr val="F1F5F9"/>
         </a:solidFill>
+        <a:effectLst/>
       </p:bgPr>
     </p:bg>
     <p:spTree>
@@ -7949,14 +7761,14 @@
       </p:grpSpPr>
       <p:pic>
         <p:nvPicPr>
-          <p:cNvPr id="2" name="Image 0" descr="preencoded.png">    </p:cNvPr>
+          <p:cNvPr id="2" name="Image 0" descr="preencoded.png"/>
           <p:cNvPicPr>
             <a:picLocks noChangeAspect="1"/>
           </p:cNvPicPr>
           <p:nvPr/>
         </p:nvPicPr>
         <p:blipFill>
-          <a:blip r:embed="rId1"/>
+          <a:blip r:embed="rId3"/>
           <a:stretch>
             <a:fillRect/>
           </a:stretch>
@@ -7992,7 +7804,7 @@
           <a:bodyPr wrap="square" rtlCol="0" anchor="ctr"/>
           <a:lstStyle/>
           <a:p>
-            <a:pPr indent="0" marL="0">
+            <a:pPr marL="0" indent="0">
               <a:buNone/>
             </a:pPr>
             <a:r>
@@ -8028,7 +7840,7 @@
           <a:bodyPr wrap="square" rtlCol="0" anchor="ctr"/>
           <a:lstStyle/>
           <a:p>
-            <a:pPr indent="0" marL="0">
+            <a:pPr marL="0" indent="0">
               <a:buNone/>
             </a:pPr>
             <a:r>
@@ -8062,6 +7874,13 @@
           </a:solidFill>
           <a:ln/>
         </p:spPr>
+        <p:txBody>
+          <a:bodyPr/>
+          <a:lstStyle/>
+          <a:p>
+            <a:endParaRPr lang="en-KW"/>
+          </a:p>
+        </p:txBody>
       </p:sp>
       <p:sp>
         <p:nvSpPr>
@@ -8084,7 +7903,7 @@
           <a:bodyPr wrap="square" rtlCol="0" anchor="ctr"/>
           <a:lstStyle/>
           <a:p>
-            <a:pPr indent="0" marL="0">
+            <a:pPr marL="0" indent="0">
               <a:buNone/>
             </a:pPr>
             <a:r>
@@ -8098,9 +7917,6 @@
               </a:rPr>
               <a:t>string</a:t>
             </a:r>
-            <a:pPr indent="0" marL="0">
-              <a:buNone/>
-            </a:pPr>
             <a:r>
               <a:rPr lang="en-US" sz="1500" dirty="0">
                 <a:solidFill>
@@ -8115,7 +7931,7 @@
             <a:endParaRPr lang="en-US" sz="1500" dirty="0"/>
           </a:p>
           <a:p>
-            <a:pPr indent="0" marL="0">
+            <a:pPr marL="0" indent="0">
               <a:buNone/>
             </a:pPr>
             <a:r>
@@ -8129,9 +7945,6 @@
               </a:rPr>
               <a:t>int</a:t>
             </a:r>
-            <a:pPr indent="0" marL="0">
-              <a:buNone/>
-            </a:pPr>
             <a:r>
               <a:rPr lang="en-US" sz="1500" dirty="0">
                 <a:solidFill>
@@ -8146,13 +7959,13 @@
             <a:endParaRPr lang="en-US" sz="1500" dirty="0"/>
           </a:p>
           <a:p>
-            <a:pPr indent="0" marL="0">
+            <a:pPr marL="0" indent="0">
               <a:buNone/>
             </a:pPr>
             <a:endParaRPr lang="en-US" sz="1500" dirty="0"/>
           </a:p>
           <a:p>
-            <a:pPr indent="0" marL="0">
+            <a:pPr marL="0" indent="0">
               <a:buNone/>
             </a:pPr>
             <a:r>
@@ -8166,9 +7979,6 @@
               </a:rPr>
               <a:t>cout &lt;&lt; </a:t>
             </a:r>
-            <a:pPr indent="0" marL="0">
-              <a:buNone/>
-            </a:pPr>
             <a:r>
               <a:rPr lang="en-US" sz="1500" dirty="0">
                 <a:solidFill>
@@ -8178,12 +7988,12 @@
                 <a:ea typeface="Consolas" pitchFamily="34" charset="-122"/>
                 <a:cs typeface="Consolas" pitchFamily="34" charset="-120"/>
               </a:rPr>
-              <a:t>"Your name: "</a:t>
+              <a:t>"Your name: ";</a:t>
             </a:r>
             <a:endParaRPr lang="en-US" sz="1500" dirty="0"/>
           </a:p>
           <a:p>
-            <a:pPr indent="0" marL="0">
+            <a:pPr marL="0" indent="0">
               <a:buNone/>
             </a:pPr>
             <a:r>
@@ -8200,13 +8010,13 @@
             <a:endParaRPr lang="en-US" sz="1500" dirty="0"/>
           </a:p>
           <a:p>
-            <a:pPr indent="0" marL="0">
+            <a:pPr marL="0" indent="0">
               <a:buNone/>
             </a:pPr>
             <a:endParaRPr lang="en-US" sz="1500" dirty="0"/>
           </a:p>
           <a:p>
-            <a:pPr indent="0" marL="0">
+            <a:pPr marL="0" indent="0">
               <a:buNone/>
             </a:pPr>
             <a:r>
@@ -8220,9 +8030,6 @@
               </a:rPr>
               <a:t>cout &lt;&lt; </a:t>
             </a:r>
-            <a:pPr indent="0" marL="0">
-              <a:buNone/>
-            </a:pPr>
             <a:r>
               <a:rPr lang="en-US" sz="1500" dirty="0">
                 <a:solidFill>
@@ -8232,12 +8039,12 @@
                 <a:ea typeface="Consolas" pitchFamily="34" charset="-122"/>
                 <a:cs typeface="Consolas" pitchFamily="34" charset="-120"/>
               </a:rPr>
-              <a:t>"Your age: "</a:t>
+              <a:t>"Your age: ";</a:t>
             </a:r>
             <a:endParaRPr lang="en-US" sz="1500" dirty="0"/>
           </a:p>
           <a:p>
-            <a:pPr indent="0" marL="0">
+            <a:pPr marL="0" indent="0">
               <a:buNone/>
             </a:pPr>
             <a:r>
@@ -8276,7 +8083,7 @@
           <a:bodyPr wrap="square" rtlCol="0" anchor="ctr"/>
           <a:lstStyle/>
           <a:p>
-            <a:pPr algn="ctr" indent="0" marL="0">
+            <a:pPr marL="0" indent="0" algn="ctr">
               <a:buNone/>
             </a:pPr>
             <a:r>
@@ -8592,4 +8399,319 @@
     </a:ext>
   </a:extLst>
 </a:theme>
+</file>
+
+<file path=ppt/theme/theme2.xml><?xml version="1.0" encoding="utf-8"?>
+<a:theme xmlns:a="http://schemas.openxmlformats.org/drawingml/2006/main" name="Office Theme">
+  <a:themeElements>
+    <a:clrScheme name="Office">
+      <a:dk1>
+        <a:sysClr val="windowText" lastClr="000000"/>
+      </a:dk1>
+      <a:lt1>
+        <a:sysClr val="window" lastClr="FFFFFF"/>
+      </a:lt1>
+      <a:dk2>
+        <a:srgbClr val="0E2841"/>
+      </a:dk2>
+      <a:lt2>
+        <a:srgbClr val="E8E8E8"/>
+      </a:lt2>
+      <a:accent1>
+        <a:srgbClr val="156082"/>
+      </a:accent1>
+      <a:accent2>
+        <a:srgbClr val="E97132"/>
+      </a:accent2>
+      <a:accent3>
+        <a:srgbClr val="196B24"/>
+      </a:accent3>
+      <a:accent4>
+        <a:srgbClr val="0F9ED5"/>
+      </a:accent4>
+      <a:accent5>
+        <a:srgbClr val="A02B93"/>
+      </a:accent5>
+      <a:accent6>
+        <a:srgbClr val="4EA72E"/>
+      </a:accent6>
+      <a:hlink>
+        <a:srgbClr val="467886"/>
+      </a:hlink>
+      <a:folHlink>
+        <a:srgbClr val="96607D"/>
+      </a:folHlink>
+    </a:clrScheme>
+    <a:fontScheme name="Office">
+      <a:majorFont>
+        <a:latin typeface="Aptos Display" panose="02110004020202020204"/>
+        <a:ea typeface=""/>
+        <a:cs typeface=""/>
+        <a:font script="Jpan" typeface="游ゴシック Light"/>
+        <a:font script="Hang" typeface="맑은 고딕"/>
+        <a:font script="Hans" typeface="等线 Light"/>
+        <a:font script="Hant" typeface="新細明體"/>
+        <a:font script="Arab" typeface="Times New Roman"/>
+        <a:font script="Hebr" typeface="Times New Roman"/>
+        <a:font script="Thai" typeface="Angsana New"/>
+        <a:font script="Ethi" typeface="Nyala"/>
+        <a:font script="Beng" typeface="Vrinda"/>
+        <a:font script="Gujr" typeface="Shruti"/>
+        <a:font script="Khmr" typeface="MoolBoran"/>
+        <a:font script="Knda" typeface="Tunga"/>
+        <a:font script="Guru" typeface="Raavi"/>
+        <a:font script="Cans" typeface="Euphemia"/>
+        <a:font script="Cher" typeface="Plantagenet Cherokee"/>
+        <a:font script="Yiii" typeface="Microsoft Yi Baiti"/>
+        <a:font script="Tibt" typeface="Microsoft Himalaya"/>
+        <a:font script="Thaa" typeface="MV Boli"/>
+        <a:font script="Deva" typeface="Mangal"/>
+        <a:font script="Telu" typeface="Gautami"/>
+        <a:font script="Taml" typeface="Latha"/>
+        <a:font script="Syrc" typeface="Estrangelo Edessa"/>
+        <a:font script="Orya" typeface="Kalinga"/>
+        <a:font script="Mlym" typeface="Kartika"/>
+        <a:font script="Laoo" typeface="DokChampa"/>
+        <a:font script="Sinh" typeface="Iskoola Pota"/>
+        <a:font script="Mong" typeface="Mongolian Baiti"/>
+        <a:font script="Viet" typeface="Times New Roman"/>
+        <a:font script="Uigh" typeface="Microsoft Uighur"/>
+        <a:font script="Geor" typeface="Sylfaen"/>
+        <a:font script="Armn" typeface="Arial"/>
+        <a:font script="Bugi" typeface="Leelawadee UI"/>
+        <a:font script="Bopo" typeface="Microsoft JhengHei"/>
+        <a:font script="Java" typeface="Javanese Text"/>
+        <a:font script="Lisu" typeface="Segoe UI"/>
+        <a:font script="Mymr" typeface="Myanmar Text"/>
+        <a:font script="Nkoo" typeface="Ebrima"/>
+        <a:font script="Olck" typeface="Nirmala UI"/>
+        <a:font script="Osma" typeface="Ebrima"/>
+        <a:font script="Phag" typeface="Phagspa"/>
+        <a:font script="Syrn" typeface="Estrangelo Edessa"/>
+        <a:font script="Syrj" typeface="Estrangelo Edessa"/>
+        <a:font script="Syre" typeface="Estrangelo Edessa"/>
+        <a:font script="Sora" typeface="Nirmala UI"/>
+        <a:font script="Tale" typeface="Microsoft Tai Le"/>
+        <a:font script="Talu" typeface="Microsoft New Tai Lue"/>
+        <a:font script="Tfng" typeface="Ebrima"/>
+      </a:majorFont>
+      <a:minorFont>
+        <a:latin typeface="Aptos" panose="02110004020202020204"/>
+        <a:ea typeface=""/>
+        <a:cs typeface=""/>
+        <a:font script="Jpan" typeface="游ゴシック"/>
+        <a:font script="Hang" typeface="맑은 고딕"/>
+        <a:font script="Hans" typeface="等线"/>
+        <a:font script="Hant" typeface="新細明體"/>
+        <a:font script="Arab" typeface="Arial"/>
+        <a:font script="Hebr" typeface="Arial"/>
+        <a:font script="Thai" typeface="Cordia New"/>
+        <a:font script="Ethi" typeface="Nyala"/>
+        <a:font script="Beng" typeface="Vrinda"/>
+        <a:font script="Gujr" typeface="Shruti"/>
+        <a:font script="Khmr" typeface="DaunPenh"/>
+        <a:font script="Knda" typeface="Tunga"/>
+        <a:font script="Guru" typeface="Raavi"/>
+        <a:font script="Cans" typeface="Euphemia"/>
+        <a:font script="Cher" typeface="Plantagenet Cherokee"/>
+        <a:font script="Yiii" typeface="Microsoft Yi Baiti"/>
+        <a:font script="Tibt" typeface="Microsoft Himalaya"/>
+        <a:font script="Thaa" typeface="MV Boli"/>
+        <a:font script="Deva" typeface="Mangal"/>
+        <a:font script="Telu" typeface="Gautami"/>
+        <a:font script="Taml" typeface="Latha"/>
+        <a:font script="Syrc" typeface="Estrangelo Edessa"/>
+        <a:font script="Orya" typeface="Kalinga"/>
+        <a:font script="Mlym" typeface="Kartika"/>
+        <a:font script="Laoo" typeface="DokChampa"/>
+        <a:font script="Sinh" typeface="Iskoola Pota"/>
+        <a:font script="Mong" typeface="Mongolian Baiti"/>
+        <a:font script="Viet" typeface="Arial"/>
+        <a:font script="Uigh" typeface="Microsoft Uighur"/>
+        <a:font script="Geor" typeface="Sylfaen"/>
+        <a:font script="Armn" typeface="Arial"/>
+        <a:font script="Bugi" typeface="Leelawadee UI"/>
+        <a:font script="Bopo" typeface="Microsoft JhengHei"/>
+        <a:font script="Java" typeface="Javanese Text"/>
+        <a:font script="Lisu" typeface="Segoe UI"/>
+        <a:font script="Mymr" typeface="Myanmar Text"/>
+        <a:font script="Nkoo" typeface="Ebrima"/>
+        <a:font script="Olck" typeface="Nirmala UI"/>
+        <a:font script="Osma" typeface="Ebrima"/>
+        <a:font script="Phag" typeface="Phagspa"/>
+        <a:font script="Syrn" typeface="Estrangelo Edessa"/>
+        <a:font script="Syrj" typeface="Estrangelo Edessa"/>
+        <a:font script="Syre" typeface="Estrangelo Edessa"/>
+        <a:font script="Sora" typeface="Nirmala UI"/>
+        <a:font script="Tale" typeface="Microsoft Tai Le"/>
+        <a:font script="Talu" typeface="Microsoft New Tai Lue"/>
+        <a:font script="Tfng" typeface="Ebrima"/>
+      </a:minorFont>
+    </a:fontScheme>
+    <a:fmtScheme name="Office">
+      <a:fillStyleLst>
+        <a:solidFill>
+          <a:schemeClr val="phClr"/>
+        </a:solidFill>
+        <a:gradFill rotWithShape="1">
+          <a:gsLst>
+            <a:gs pos="0">
+              <a:schemeClr val="phClr">
+                <a:lumMod val="110000"/>
+                <a:satMod val="105000"/>
+                <a:tint val="67000"/>
+              </a:schemeClr>
+            </a:gs>
+            <a:gs pos="50000">
+              <a:schemeClr val="phClr">
+                <a:lumMod val="105000"/>
+                <a:satMod val="103000"/>
+                <a:tint val="73000"/>
+              </a:schemeClr>
+            </a:gs>
+            <a:gs pos="100000">
+              <a:schemeClr val="phClr">
+                <a:lumMod val="105000"/>
+                <a:satMod val="109000"/>
+                <a:tint val="81000"/>
+              </a:schemeClr>
+            </a:gs>
+          </a:gsLst>
+          <a:lin ang="5400000" scaled="0"/>
+        </a:gradFill>
+        <a:gradFill rotWithShape="1">
+          <a:gsLst>
+            <a:gs pos="0">
+              <a:schemeClr val="phClr">
+                <a:satMod val="103000"/>
+                <a:lumMod val="102000"/>
+                <a:tint val="94000"/>
+              </a:schemeClr>
+            </a:gs>
+            <a:gs pos="50000">
+              <a:schemeClr val="phClr">
+                <a:satMod val="110000"/>
+                <a:lumMod val="100000"/>
+                <a:shade val="100000"/>
+              </a:schemeClr>
+            </a:gs>
+            <a:gs pos="100000">
+              <a:schemeClr val="phClr">
+                <a:lumMod val="99000"/>
+                <a:satMod val="120000"/>
+                <a:shade val="78000"/>
+              </a:schemeClr>
+            </a:gs>
+          </a:gsLst>
+          <a:lin ang="5400000" scaled="0"/>
+        </a:gradFill>
+      </a:fillStyleLst>
+      <a:lnStyleLst>
+        <a:ln w="12700" cap="flat" cmpd="sng" algn="ctr">
+          <a:solidFill>
+            <a:schemeClr val="phClr"/>
+          </a:solidFill>
+          <a:prstDash val="solid"/>
+          <a:miter lim="800000"/>
+        </a:ln>
+        <a:ln w="19050" cap="flat" cmpd="sng" algn="ctr">
+          <a:solidFill>
+            <a:schemeClr val="phClr"/>
+          </a:solidFill>
+          <a:prstDash val="solid"/>
+          <a:miter lim="800000"/>
+        </a:ln>
+        <a:ln w="25400" cap="flat" cmpd="sng" algn="ctr">
+          <a:solidFill>
+            <a:schemeClr val="phClr"/>
+          </a:solidFill>
+          <a:prstDash val="solid"/>
+          <a:miter lim="800000"/>
+        </a:ln>
+      </a:lnStyleLst>
+      <a:effectStyleLst>
+        <a:effectStyle>
+          <a:effectLst/>
+        </a:effectStyle>
+        <a:effectStyle>
+          <a:effectLst/>
+        </a:effectStyle>
+        <a:effectStyle>
+          <a:effectLst>
+            <a:outerShdw blurRad="57150" dist="19050" dir="5400000" algn="ctr" rotWithShape="0">
+              <a:srgbClr val="000000">
+                <a:alpha val="63000"/>
+              </a:srgbClr>
+            </a:outerShdw>
+          </a:effectLst>
+        </a:effectStyle>
+      </a:effectStyleLst>
+      <a:bgFillStyleLst>
+        <a:solidFill>
+          <a:schemeClr val="phClr"/>
+        </a:solidFill>
+        <a:solidFill>
+          <a:schemeClr val="phClr">
+            <a:tint val="95000"/>
+            <a:satMod val="170000"/>
+          </a:schemeClr>
+        </a:solidFill>
+        <a:gradFill rotWithShape="1">
+          <a:gsLst>
+            <a:gs pos="0">
+              <a:schemeClr val="phClr">
+                <a:tint val="93000"/>
+                <a:satMod val="150000"/>
+                <a:shade val="98000"/>
+                <a:lumMod val="102000"/>
+              </a:schemeClr>
+            </a:gs>
+            <a:gs pos="50000">
+              <a:schemeClr val="phClr">
+                <a:tint val="98000"/>
+                <a:satMod val="130000"/>
+                <a:shade val="90000"/>
+                <a:lumMod val="103000"/>
+              </a:schemeClr>
+            </a:gs>
+            <a:gs pos="100000">
+              <a:schemeClr val="phClr">
+                <a:shade val="63000"/>
+                <a:satMod val="120000"/>
+              </a:schemeClr>
+            </a:gs>
+          </a:gsLst>
+          <a:lin ang="5400000" scaled="0"/>
+        </a:gradFill>
+      </a:bgFillStyleLst>
+    </a:fmtScheme>
+  </a:themeElements>
+  <a:objectDefaults>
+    <a:lnDef>
+      <a:spPr/>
+      <a:bodyPr/>
+      <a:lstStyle/>
+      <a:style>
+        <a:lnRef idx="2">
+          <a:schemeClr val="accent1"/>
+        </a:lnRef>
+        <a:fillRef idx="0">
+          <a:schemeClr val="accent1"/>
+        </a:fillRef>
+        <a:effectRef idx="1">
+          <a:schemeClr val="accent1"/>
+        </a:effectRef>
+        <a:fontRef idx="minor">
+          <a:schemeClr val="tx1"/>
+        </a:fontRef>
+      </a:style>
+    </a:lnDef>
+  </a:objectDefaults>
+  <a:extraClrSchemeLst/>
+  <a:extLst>
+    <a:ext uri="{05A4C25C-085E-4340-85A3-A5531E510DB2}">
+      <thm15:themeFamily xmlns:thm15="http://schemas.microsoft.com/office/thememl/2012/main" name="Office Theme" id="{2E142A2C-CD16-42D6-873A-C26D2A0506FA}" vid="{1BDDFF52-6CD6-40A5-AB3C-68EB2F1E4D0A}"/>
+    </a:ext>
+  </a:extLst>
+</a:theme>
 </file>